--- a/Vector_Space_Model_Presentation.pptx
+++ b/Vector_Space_Model_Presentation.pptx
@@ -3345,15 +3345,15 @@
 </file>
 
 <file path=ppt/diagrams/colors5.xml><?xml version="1.0" encoding="utf-8"?>
-<dgm:colorsDef xmlns:dgm="http://schemas.openxmlformats.org/drawingml/2006/diagram" xmlns:a="http://schemas.openxmlformats.org/drawingml/2006/main" uniqueId="urn:microsoft.com/office/officeart/2005/8/colors/colorful2">
+<dgm:colorsDef xmlns:dgm="http://schemas.openxmlformats.org/drawingml/2006/diagram" xmlns:a="http://schemas.openxmlformats.org/drawingml/2006/main" uniqueId="urn:microsoft.com/office/officeart/2005/8/colors/accent2_2">
   <dgm:title val=""/>
   <dgm:desc val=""/>
   <dgm:catLst>
-    <dgm:cat type="colorful" pri="10200"/>
+    <dgm:cat type="accent2" pri="11200"/>
   </dgm:catLst>
   <dgm:styleLbl name="node0">
     <dgm:fillClrLst meth="repeat">
-      <a:schemeClr val="accent1"/>
+      <a:schemeClr val="accent2"/>
     </dgm:fillClrLst>
     <dgm:linClrLst meth="repeat">
       <a:schemeClr val="lt1"/>
@@ -3364,9 +3364,8 @@
     <dgm:txEffectClrLst/>
   </dgm:styleLbl>
   <dgm:styleLbl name="node1">
-    <dgm:fillClrLst>
+    <dgm:fillClrLst meth="repeat">
       <a:schemeClr val="accent2"/>
-      <a:schemeClr val="accent3"/>
     </dgm:fillClrLst>
     <dgm:linClrLst meth="repeat">
       <a:schemeClr val="lt1"/>
@@ -3377,13 +3376,11 @@
     <dgm:txEffectClrLst/>
   </dgm:styleLbl>
   <dgm:styleLbl name="alignNode1">
-    <dgm:fillClrLst>
+    <dgm:fillClrLst meth="repeat">
       <a:schemeClr val="accent2"/>
-      <a:schemeClr val="accent3"/>
     </dgm:fillClrLst>
-    <dgm:linClrLst>
+    <dgm:linClrLst meth="repeat">
       <a:schemeClr val="accent2"/>
-      <a:schemeClr val="accent3"/>
     </dgm:linClrLst>
     <dgm:effectClrLst/>
     <dgm:txLinClrLst/>
@@ -3391,9 +3388,8 @@
     <dgm:txEffectClrLst/>
   </dgm:styleLbl>
   <dgm:styleLbl name="lnNode1">
-    <dgm:fillClrLst>
+    <dgm:fillClrLst meth="repeat">
       <a:schemeClr val="accent2"/>
-      <a:schemeClr val="accent3"/>
     </dgm:fillClrLst>
     <dgm:linClrLst meth="repeat">
       <a:schemeClr val="lt1"/>
@@ -3404,11 +3400,8 @@
     <dgm:txEffectClrLst/>
   </dgm:styleLbl>
   <dgm:styleLbl name="vennNode1">
-    <dgm:fillClrLst>
+    <dgm:fillClrLst meth="repeat">
       <a:schemeClr val="accent2">
-        <a:alpha val="50000"/>
-      </a:schemeClr>
-      <a:schemeClr val="accent3">
         <a:alpha val="50000"/>
       </a:schemeClr>
     </dgm:fillClrLst>
@@ -3421,8 +3414,8 @@
     <dgm:txEffectClrLst/>
   </dgm:styleLbl>
   <dgm:styleLbl name="node2">
-    <dgm:fillClrLst>
-      <a:schemeClr val="accent3"/>
+    <dgm:fillClrLst meth="repeat">
+      <a:schemeClr val="accent2"/>
     </dgm:fillClrLst>
     <dgm:linClrLst meth="repeat">
       <a:schemeClr val="lt1"/>
@@ -3433,8 +3426,8 @@
     <dgm:txEffectClrLst/>
   </dgm:styleLbl>
   <dgm:styleLbl name="node3">
-    <dgm:fillClrLst>
-      <a:schemeClr val="accent4"/>
+    <dgm:fillClrLst meth="repeat">
+      <a:schemeClr val="accent2"/>
     </dgm:fillClrLst>
     <dgm:linClrLst meth="repeat">
       <a:schemeClr val="lt1"/>
@@ -3445,8 +3438,8 @@
     <dgm:txEffectClrLst/>
   </dgm:styleLbl>
   <dgm:styleLbl name="node4">
-    <dgm:fillClrLst>
-      <a:schemeClr val="accent5"/>
+    <dgm:fillClrLst meth="repeat">
+      <a:schemeClr val="accent2"/>
     </dgm:fillClrLst>
     <dgm:linClrLst meth="repeat">
       <a:schemeClr val="lt1"/>
@@ -3457,11 +3450,8 @@
     <dgm:txEffectClrLst/>
   </dgm:styleLbl>
   <dgm:styleLbl name="fgImgPlace1">
-    <dgm:fillClrLst>
+    <dgm:fillClrLst meth="repeat">
       <a:schemeClr val="accent2">
-        <a:tint val="50000"/>
-      </a:schemeClr>
-      <a:schemeClr val="accent3">
         <a:tint val="50000"/>
       </a:schemeClr>
     </dgm:fillClrLst>
@@ -3476,12 +3466,9 @@
     <dgm:txEffectClrLst/>
   </dgm:styleLbl>
   <dgm:styleLbl name="alignImgPlace1">
-    <dgm:fillClrLst>
+    <dgm:fillClrLst meth="repeat">
       <a:schemeClr val="accent2">
         <a:tint val="50000"/>
-      </a:schemeClr>
-      <a:schemeClr val="accent3">
-        <a:tint val="20000"/>
       </a:schemeClr>
     </dgm:fillClrLst>
     <dgm:linClrLst meth="repeat">
@@ -3495,12 +3482,9 @@
     <dgm:txEffectClrLst/>
   </dgm:styleLbl>
   <dgm:styleLbl name="bgImgPlace1">
-    <dgm:fillClrLst>
+    <dgm:fillClrLst meth="repeat">
       <a:schemeClr val="accent2">
         <a:tint val="50000"/>
-      </a:schemeClr>
-      <a:schemeClr val="accent3">
-        <a:tint val="20000"/>
       </a:schemeClr>
     </dgm:fillClrLst>
     <dgm:linClrLst meth="repeat">
@@ -3514,12 +3498,15 @@
     <dgm:txEffectClrLst/>
   </dgm:styleLbl>
   <dgm:styleLbl name="sibTrans2D1">
-    <dgm:fillClrLst>
-      <a:schemeClr val="accent2"/>
-      <a:schemeClr val="accent3"/>
+    <dgm:fillClrLst meth="repeat">
+      <a:schemeClr val="accent2">
+        <a:tint val="60000"/>
+      </a:schemeClr>
     </dgm:fillClrLst>
     <dgm:linClrLst meth="repeat">
-      <a:schemeClr val="lt1"/>
+      <a:schemeClr val="accent2">
+        <a:tint val="60000"/>
+      </a:schemeClr>
     </dgm:linClrLst>
     <dgm:effectClrLst/>
     <dgm:txLinClrLst/>
@@ -3527,40 +3514,43 @@
     <dgm:txEffectClrLst/>
   </dgm:styleLbl>
   <dgm:styleLbl name="fgSibTrans2D1">
-    <dgm:fillClrLst>
-      <a:schemeClr val="accent2"/>
-      <a:schemeClr val="accent3"/>
+    <dgm:fillClrLst meth="repeat">
+      <a:schemeClr val="accent2">
+        <a:tint val="60000"/>
+      </a:schemeClr>
     </dgm:fillClrLst>
     <dgm:linClrLst meth="repeat">
-      <a:schemeClr val="lt1"/>
+      <a:schemeClr val="accent2">
+        <a:tint val="60000"/>
+      </a:schemeClr>
     </dgm:linClrLst>
     <dgm:effectClrLst/>
     <dgm:txLinClrLst/>
-    <dgm:txFillClrLst meth="repeat">
-      <a:schemeClr val="lt1"/>
-    </dgm:txFillClrLst>
+    <dgm:txFillClrLst/>
     <dgm:txEffectClrLst/>
   </dgm:styleLbl>
   <dgm:styleLbl name="bgSibTrans2D1">
-    <dgm:fillClrLst>
-      <a:schemeClr val="accent2"/>
-      <a:schemeClr val="accent3"/>
+    <dgm:fillClrLst meth="repeat">
+      <a:schemeClr val="accent2">
+        <a:tint val="60000"/>
+      </a:schemeClr>
     </dgm:fillClrLst>
     <dgm:linClrLst meth="repeat">
-      <a:schemeClr val="lt1"/>
+      <a:schemeClr val="accent2">
+        <a:tint val="60000"/>
+      </a:schemeClr>
     </dgm:linClrLst>
     <dgm:effectClrLst/>
     <dgm:txLinClrLst/>
-    <dgm:txFillClrLst meth="repeat">
-      <a:schemeClr val="lt1"/>
-    </dgm:txFillClrLst>
+    <dgm:txFillClrLst/>
     <dgm:txEffectClrLst/>
   </dgm:styleLbl>
   <dgm:styleLbl name="sibTrans1D1">
-    <dgm:fillClrLst/>
-    <dgm:linClrLst>
+    <dgm:fillClrLst meth="repeat">
       <a:schemeClr val="accent2"/>
-      <a:schemeClr val="accent3"/>
+    </dgm:fillClrLst>
+    <dgm:linClrLst meth="repeat">
+      <a:schemeClr val="accent2"/>
     </dgm:linClrLst>
     <dgm:effectClrLst/>
     <dgm:txLinClrLst/>
@@ -3590,9 +3580,7 @@
       <a:schemeClr val="accent2"/>
     </dgm:fillClrLst>
     <dgm:linClrLst meth="repeat">
-      <a:schemeClr val="lt1">
-        <a:shade val="80000"/>
-      </a:schemeClr>
+      <a:schemeClr val="lt1"/>
     </dgm:linClrLst>
     <dgm:effectClrLst/>
     <dgm:txLinClrLst/>
@@ -3601,21 +3589,7 @@
   </dgm:styleLbl>
   <dgm:styleLbl name="asst1">
     <dgm:fillClrLst meth="repeat">
-      <a:schemeClr val="accent3"/>
-    </dgm:fillClrLst>
-    <dgm:linClrLst meth="repeat">
-      <a:schemeClr val="lt1">
-        <a:shade val="80000"/>
-      </a:schemeClr>
-    </dgm:linClrLst>
-    <dgm:effectClrLst/>
-    <dgm:txLinClrLst/>
-    <dgm:txFillClrLst/>
-    <dgm:txEffectClrLst/>
-  </dgm:styleLbl>
-  <dgm:styleLbl name="asst2">
-    <dgm:fillClrLst>
-      <a:schemeClr val="accent4"/>
+      <a:schemeClr val="accent2"/>
     </dgm:fillClrLst>
     <dgm:linClrLst meth="repeat">
       <a:schemeClr val="lt1"/>
@@ -3625,9 +3599,9 @@
     <dgm:txFillClrLst/>
     <dgm:txEffectClrLst/>
   </dgm:styleLbl>
-  <dgm:styleLbl name="asst3">
-    <dgm:fillClrLst>
-      <a:schemeClr val="accent5"/>
+  <dgm:styleLbl name="asst2">
+    <dgm:fillClrLst meth="repeat">
+      <a:schemeClr val="accent2"/>
     </dgm:fillClrLst>
     <dgm:linClrLst meth="repeat">
       <a:schemeClr val="lt1"/>
@@ -3637,9 +3611,9 @@
     <dgm:txFillClrLst/>
     <dgm:txEffectClrLst/>
   </dgm:styleLbl>
-  <dgm:styleLbl name="asst4">
-    <dgm:fillClrLst>
-      <a:schemeClr val="accent6"/>
+  <dgm:styleLbl name="asst3">
+    <dgm:fillClrLst meth="repeat">
+      <a:schemeClr val="accent2"/>
     </dgm:fillClrLst>
     <dgm:linClrLst meth="repeat">
       <a:schemeClr val="lt1"/>
@@ -3649,7 +3623,7 @@
     <dgm:txFillClrLst/>
     <dgm:txEffectClrLst/>
   </dgm:styleLbl>
-  <dgm:styleLbl name="parChTrans2D1">
+  <dgm:styleLbl name="asst4">
     <dgm:fillClrLst meth="repeat">
       <a:schemeClr val="accent2"/>
     </dgm:fillClrLst>
@@ -3658,41 +3632,19 @@
     </dgm:linClrLst>
     <dgm:effectClrLst/>
     <dgm:txLinClrLst/>
-    <dgm:txFillClrLst meth="repeat">
-      <a:schemeClr val="lt1"/>
-    </dgm:txFillClrLst>
+    <dgm:txFillClrLst/>
     <dgm:txEffectClrLst/>
   </dgm:styleLbl>
-  <dgm:styleLbl name="parChTrans2D2">
+  <dgm:styleLbl name="parChTrans2D1">
     <dgm:fillClrLst meth="repeat">
-      <a:schemeClr val="accent3"/>
+      <a:schemeClr val="accent2">
+        <a:tint val="60000"/>
+      </a:schemeClr>
     </dgm:fillClrLst>
     <dgm:linClrLst meth="repeat">
-      <a:schemeClr val="lt1"/>
-    </dgm:linClrLst>
-    <dgm:effectClrLst/>
-    <dgm:txLinClrLst/>
-    <dgm:txFillClrLst/>
-    <dgm:txEffectClrLst/>
-  </dgm:styleLbl>
-  <dgm:styleLbl name="parChTrans2D3">
-    <dgm:fillClrLst meth="repeat">
-      <a:schemeClr val="accent4"/>
-    </dgm:fillClrLst>
-    <dgm:linClrLst meth="repeat">
-      <a:schemeClr val="lt1"/>
-    </dgm:linClrLst>
-    <dgm:effectClrLst/>
-    <dgm:txLinClrLst/>
-    <dgm:txFillClrLst/>
-    <dgm:txEffectClrLst/>
-  </dgm:styleLbl>
-  <dgm:styleLbl name="parChTrans2D4">
-    <dgm:fillClrLst meth="repeat">
-      <a:schemeClr val="accent5"/>
-    </dgm:fillClrLst>
-    <dgm:linClrLst meth="repeat">
-      <a:schemeClr val="lt1"/>
+      <a:schemeClr val="accent2">
+        <a:tint val="60000"/>
+      </a:schemeClr>
     </dgm:linClrLst>
     <dgm:effectClrLst/>
     <dgm:txLinClrLst/>
@@ -3701,7 +3653,7 @@
     </dgm:txFillClrLst>
     <dgm:txEffectClrLst/>
   </dgm:styleLbl>
-  <dgm:styleLbl name="parChTrans1D1">
+  <dgm:styleLbl name="parChTrans2D2">
     <dgm:fillClrLst meth="repeat">
       <a:schemeClr val="accent2"/>
     </dgm:fillClrLst>
@@ -3711,18 +3663,46 @@
     <dgm:effectClrLst/>
     <dgm:txLinClrLst/>
     <dgm:txFillClrLst meth="repeat">
-      <a:schemeClr val="tx1"/>
+      <a:schemeClr val="lt1"/>
     </dgm:txFillClrLst>
     <dgm:txEffectClrLst/>
   </dgm:styleLbl>
-  <dgm:styleLbl name="parChTrans1D2">
+  <dgm:styleLbl name="parChTrans2D3">
     <dgm:fillClrLst meth="repeat">
-      <a:schemeClr val="accent2">
-        <a:tint val="90000"/>
-      </a:schemeClr>
+      <a:schemeClr val="accent2"/>
     </dgm:fillClrLst>
     <dgm:linClrLst meth="repeat">
-      <a:schemeClr val="accent3"/>
+      <a:schemeClr val="accent2"/>
+    </dgm:linClrLst>
+    <dgm:effectClrLst/>
+    <dgm:txLinClrLst/>
+    <dgm:txFillClrLst meth="repeat">
+      <a:schemeClr val="lt1"/>
+    </dgm:txFillClrLst>
+    <dgm:txEffectClrLst/>
+  </dgm:styleLbl>
+  <dgm:styleLbl name="parChTrans2D4">
+    <dgm:fillClrLst meth="repeat">
+      <a:schemeClr val="accent2"/>
+    </dgm:fillClrLst>
+    <dgm:linClrLst meth="repeat">
+      <a:schemeClr val="accent2"/>
+    </dgm:linClrLst>
+    <dgm:effectClrLst/>
+    <dgm:txLinClrLst/>
+    <dgm:txFillClrLst meth="repeat">
+      <a:schemeClr val="lt1"/>
+    </dgm:txFillClrLst>
+    <dgm:txEffectClrLst/>
+  </dgm:styleLbl>
+  <dgm:styleLbl name="parChTrans1D1">
+    <dgm:fillClrLst meth="repeat">
+      <a:schemeClr val="accent2"/>
+    </dgm:fillClrLst>
+    <dgm:linClrLst meth="repeat">
+      <a:schemeClr val="accent2">
+        <a:shade val="60000"/>
+      </a:schemeClr>
     </dgm:linClrLst>
     <dgm:effectClrLst/>
     <dgm:txLinClrLst/>
@@ -3731,14 +3711,14 @@
     </dgm:txFillClrLst>
     <dgm:txEffectClrLst/>
   </dgm:styleLbl>
-  <dgm:styleLbl name="parChTrans1D3">
+  <dgm:styleLbl name="parChTrans1D2">
     <dgm:fillClrLst meth="repeat">
-      <a:schemeClr val="accent2">
-        <a:tint val="70000"/>
-      </a:schemeClr>
+      <a:schemeClr val="accent2"/>
     </dgm:fillClrLst>
     <dgm:linClrLst meth="repeat">
-      <a:schemeClr val="accent4"/>
+      <a:schemeClr val="accent2">
+        <a:shade val="60000"/>
+      </a:schemeClr>
     </dgm:linClrLst>
     <dgm:effectClrLst/>
     <dgm:txLinClrLst/>
@@ -3747,14 +3727,14 @@
     </dgm:txFillClrLst>
     <dgm:txEffectClrLst/>
   </dgm:styleLbl>
-  <dgm:styleLbl name="parChTrans1D4">
+  <dgm:styleLbl name="parChTrans1D3">
     <dgm:fillClrLst meth="repeat">
-      <a:schemeClr val="accent2">
-        <a:tint val="50000"/>
-      </a:schemeClr>
+      <a:schemeClr val="accent2"/>
     </dgm:fillClrLst>
     <dgm:linClrLst meth="repeat">
-      <a:schemeClr val="accent5"/>
+      <a:schemeClr val="accent2">
+        <a:shade val="80000"/>
+      </a:schemeClr>
     </dgm:linClrLst>
     <dgm:effectClrLst/>
     <dgm:txLinClrLst/>
@@ -3763,15 +3743,30 @@
     </dgm:txFillClrLst>
     <dgm:txEffectClrLst/>
   </dgm:styleLbl>
+  <dgm:styleLbl name="parChTrans1D4">
+    <dgm:fillClrLst meth="repeat">
+      <a:schemeClr val="accent2"/>
+    </dgm:fillClrLst>
+    <dgm:linClrLst meth="repeat">
+      <a:schemeClr val="accent2">
+        <a:shade val="80000"/>
+      </a:schemeClr>
+    </dgm:linClrLst>
+    <dgm:effectClrLst/>
+    <dgm:txLinClrLst/>
+    <dgm:txFillClrLst meth="repeat">
+      <a:schemeClr val="tx1"/>
+    </dgm:txFillClrLst>
+    <dgm:txEffectClrLst/>
+  </dgm:styleLbl>
   <dgm:styleLbl name="fgAcc1">
     <dgm:fillClrLst meth="repeat">
       <a:schemeClr val="lt1">
         <a:alpha val="90000"/>
       </a:schemeClr>
     </dgm:fillClrLst>
-    <dgm:linClrLst>
+    <dgm:linClrLst meth="repeat">
       <a:schemeClr val="accent2"/>
-      <a:schemeClr val="accent3"/>
     </dgm:linClrLst>
     <dgm:effectClrLst/>
     <dgm:txLinClrLst/>
@@ -3786,9 +3781,8 @@
         <a:alpha val="90000"/>
       </a:schemeClr>
     </dgm:fillClrLst>
-    <dgm:linClrLst>
+    <dgm:linClrLst meth="repeat">
       <a:schemeClr val="accent2"/>
-      <a:schemeClr val="accent3"/>
     </dgm:linClrLst>
     <dgm:effectClrLst/>
     <dgm:txLinClrLst/>
@@ -3803,9 +3797,8 @@
         <a:alpha val="90000"/>
       </a:schemeClr>
     </dgm:fillClrLst>
-    <dgm:linClrLst>
+    <dgm:linClrLst meth="repeat">
       <a:schemeClr val="accent2"/>
-      <a:schemeClr val="accent3"/>
     </dgm:linClrLst>
     <dgm:effectClrLst/>
     <dgm:txLinClrLst/>
@@ -3836,9 +3829,8 @@
         <a:alpha val="90000"/>
       </a:schemeClr>
     </dgm:fillClrLst>
-    <dgm:linClrLst>
+    <dgm:linClrLst meth="repeat">
       <a:schemeClr val="accent2"/>
-      <a:schemeClr val="accent3"/>
     </dgm:linClrLst>
     <dgm:effectClrLst/>
     <dgm:txLinClrLst/>
@@ -3851,9 +3843,8 @@
     <dgm:fillClrLst meth="repeat">
       <a:schemeClr val="lt1"/>
     </dgm:fillClrLst>
-    <dgm:linClrLst>
+    <dgm:linClrLst meth="repeat">
       <a:schemeClr val="accent2"/>
-      <a:schemeClr val="accent3"/>
     </dgm:linClrLst>
     <dgm:effectClrLst/>
     <dgm:txLinClrLst/>
@@ -3866,9 +3857,8 @@
     <dgm:fillClrLst meth="repeat">
       <a:schemeClr val="lt1"/>
     </dgm:fillClrLst>
-    <dgm:linClrLst>
+    <dgm:linClrLst meth="repeat">
       <a:schemeClr val="accent2"/>
-      <a:schemeClr val="accent3"/>
     </dgm:linClrLst>
     <dgm:effectClrLst/>
     <dgm:txLinClrLst/>
@@ -3881,9 +3871,8 @@
     <dgm:fillClrLst meth="repeat">
       <a:schemeClr val="lt1"/>
     </dgm:fillClrLst>
-    <dgm:linClrLst>
+    <dgm:linClrLst meth="repeat">
       <a:schemeClr val="accent2"/>
-      <a:schemeClr val="accent3"/>
     </dgm:linClrLst>
     <dgm:effectClrLst/>
     <dgm:txLinClrLst/>
@@ -3893,24 +3882,16 @@
     <dgm:txEffectClrLst/>
   </dgm:styleLbl>
   <dgm:styleLbl name="fgAccFollowNode1">
-    <dgm:fillClrLst>
+    <dgm:fillClrLst meth="repeat">
       <a:schemeClr val="accent2">
+        <a:alpha val="90000"/>
         <a:tint val="40000"/>
-        <a:alpha val="90000"/>
-      </a:schemeClr>
-      <a:schemeClr val="accent3">
-        <a:tint val="40000"/>
-        <a:alpha val="90000"/>
       </a:schemeClr>
     </dgm:fillClrLst>
-    <dgm:linClrLst>
+    <dgm:linClrLst meth="repeat">
       <a:schemeClr val="accent2">
+        <a:alpha val="90000"/>
         <a:tint val="40000"/>
-        <a:alpha val="90000"/>
-      </a:schemeClr>
-      <a:schemeClr val="accent3">
-        <a:tint val="40000"/>
-        <a:alpha val="90000"/>
       </a:schemeClr>
     </dgm:linClrLst>
     <dgm:effectClrLst/>
@@ -3921,24 +3902,16 @@
     <dgm:txEffectClrLst/>
   </dgm:styleLbl>
   <dgm:styleLbl name="alignAccFollowNode1">
-    <dgm:fillClrLst>
+    <dgm:fillClrLst meth="repeat">
       <a:schemeClr val="accent2">
+        <a:alpha val="90000"/>
         <a:tint val="40000"/>
-        <a:alpha val="90000"/>
-      </a:schemeClr>
-      <a:schemeClr val="accent3">
-        <a:tint val="40000"/>
-        <a:alpha val="90000"/>
       </a:schemeClr>
     </dgm:fillClrLst>
-    <dgm:linClrLst>
+    <dgm:linClrLst meth="repeat">
       <a:schemeClr val="accent2">
+        <a:alpha val="90000"/>
         <a:tint val="40000"/>
-        <a:alpha val="90000"/>
-      </a:schemeClr>
-      <a:schemeClr val="accent3">
-        <a:tint val="40000"/>
-        <a:alpha val="90000"/>
       </a:schemeClr>
     </dgm:linClrLst>
     <dgm:effectClrLst/>
@@ -3949,24 +3922,16 @@
     <dgm:txEffectClrLst/>
   </dgm:styleLbl>
   <dgm:styleLbl name="bgAccFollowNode1">
-    <dgm:fillClrLst>
+    <dgm:fillClrLst meth="repeat">
       <a:schemeClr val="accent2">
+        <a:alpha val="90000"/>
         <a:tint val="40000"/>
-        <a:alpha val="90000"/>
-      </a:schemeClr>
-      <a:schemeClr val="accent3">
-        <a:tint val="40000"/>
-        <a:alpha val="90000"/>
       </a:schemeClr>
     </dgm:fillClrLst>
-    <dgm:linClrLst>
+    <dgm:linClrLst meth="repeat">
       <a:schemeClr val="accent2">
+        <a:alpha val="90000"/>
         <a:tint val="40000"/>
-        <a:alpha val="90000"/>
-      </a:schemeClr>
-      <a:schemeClr val="accent3">
-        <a:tint val="40000"/>
-        <a:alpha val="90000"/>
       </a:schemeClr>
     </dgm:linClrLst>
     <dgm:effectClrLst/>
@@ -3982,8 +3947,8 @@
         <a:alpha val="90000"/>
       </a:schemeClr>
     </dgm:fillClrLst>
-    <dgm:linClrLst>
-      <a:schemeClr val="accent1"/>
+    <dgm:linClrLst meth="repeat">
+      <a:schemeClr val="accent2"/>
     </dgm:linClrLst>
     <dgm:effectClrLst/>
     <dgm:txLinClrLst/>
@@ -3998,8 +3963,8 @@
         <a:alpha val="90000"/>
       </a:schemeClr>
     </dgm:fillClrLst>
-    <dgm:linClrLst>
-      <a:schemeClr val="accent3"/>
+    <dgm:linClrLst meth="repeat">
+      <a:schemeClr val="accent2"/>
     </dgm:linClrLst>
     <dgm:effectClrLst/>
     <dgm:txLinClrLst/>
@@ -4014,8 +3979,8 @@
         <a:alpha val="90000"/>
       </a:schemeClr>
     </dgm:fillClrLst>
-    <dgm:linClrLst>
-      <a:schemeClr val="accent4"/>
+    <dgm:linClrLst meth="repeat">
+      <a:schemeClr val="accent2"/>
     </dgm:linClrLst>
     <dgm:effectClrLst/>
     <dgm:txLinClrLst/>
@@ -4030,8 +3995,8 @@
         <a:alpha val="90000"/>
       </a:schemeClr>
     </dgm:fillClrLst>
-    <dgm:linClrLst>
-      <a:schemeClr val="accent5"/>
+    <dgm:linClrLst meth="repeat">
+      <a:schemeClr val="accent2"/>
     </dgm:linClrLst>
     <dgm:effectClrLst/>
     <dgm:txLinClrLst/>
@@ -4047,7 +4012,7 @@
       </a:schemeClr>
     </dgm:fillClrLst>
     <dgm:linClrLst meth="repeat">
-      <a:schemeClr val="dk1"/>
+      <a:schemeClr val="accent2"/>
     </dgm:linClrLst>
     <dgm:effectClrLst/>
     <dgm:txLinClrLst/>
@@ -4059,11 +4024,11 @@
   <dgm:styleLbl name="dkBgShp">
     <dgm:fillClrLst meth="repeat">
       <a:schemeClr val="accent2">
-        <a:shade val="90000"/>
+        <a:shade val="80000"/>
       </a:schemeClr>
     </dgm:fillClrLst>
     <dgm:linClrLst meth="repeat">
-      <a:schemeClr val="dk1"/>
+      <a:schemeClr val="accent2"/>
     </dgm:linClrLst>
     <dgm:effectClrLst/>
     <dgm:txLinClrLst/>
@@ -4092,7 +4057,7 @@
   <dgm:styleLbl name="fgShp">
     <dgm:fillClrLst meth="repeat">
       <a:schemeClr val="accent2">
-        <a:tint val="40000"/>
+        <a:tint val="60000"/>
       </a:schemeClr>
     </dgm:fillClrLst>
     <dgm:linClrLst meth="repeat">
@@ -6008,7 +5973,7 @@
 <dgm:dataModel xmlns:dgm="http://schemas.openxmlformats.org/drawingml/2006/diagram" xmlns:a="http://schemas.openxmlformats.org/drawingml/2006/main">
   <dgm:ptLst>
     <dgm:pt modelId="{82F84DBC-78A2-4255-B2FB-A15EB9331AA5}" type="doc">
-      <dgm:prSet loTypeId="urn:microsoft.com/office/officeart/2016/7/layout/RepeatingBendingProcessNew" loCatId="process" qsTypeId="urn:microsoft.com/office/officeart/2005/8/quickstyle/simple1" qsCatId="simple" csTypeId="urn:microsoft.com/office/officeart/2005/8/colors/colorful2" csCatId="colorful" phldr="1"/>
+      <dgm:prSet loTypeId="urn:microsoft.com/office/officeart/2016/7/layout/RepeatingBendingProcessNew" loCatId="process" qsTypeId="urn:microsoft.com/office/officeart/2005/8/quickstyle/simple1" qsCatId="simple" csTypeId="urn:microsoft.com/office/officeart/2005/8/colors/accent2_2" csCatId="accent2" phldr="1"/>
       <dgm:spPr/>
       <dgm:t>
         <a:bodyPr/>
@@ -6178,10 +6143,10 @@
         <a:lstStyle/>
         <a:p>
           <a:r>
-            <a:rPr lang="en-GB"/>
-            <a:t>Selecting better expansion documents </a:t>
+            <a:rPr lang="en-GB" dirty="0"/>
+            <a:t>Selecting better relevance documents </a:t>
           </a:r>
-          <a:endParaRPr lang="en-US"/>
+          <a:endParaRPr lang="en-US" dirty="0"/>
         </a:p>
       </dgm:t>
     </dgm:pt>
@@ -6216,7 +6181,15 @@
         <a:p>
           <a:r>
             <a:rPr lang="en-GB" dirty="0"/>
-            <a:t>Integrate more robust evaluation metrics:</a:t>
+            <a:t>Integrate more robust evaluation metrics: </a:t>
+          </a:r>
+          <a:r>
+            <a:rPr lang="en-GB" dirty="0" err="1"/>
+            <a:t>eg</a:t>
+          </a:r>
+          <a:r>
+            <a:rPr lang="en-GB" dirty="0"/>
+            <a:t>: Mean Average Precision (MAP)</a:t>
           </a:r>
           <a:endParaRPr lang="en-US" dirty="0"/>
         </a:p>
@@ -6234,43 +6207,6 @@
       </dgm:t>
     </dgm:pt>
     <dgm:pt modelId="{D147EBE6-655E-4C60-8D75-04C84B4E3988}" type="sibTrans" cxnId="{48E48A85-F429-46D2-BEB1-AEEDAAA2C4DC}">
-      <dgm:prSet/>
-      <dgm:spPr/>
-      <dgm:t>
-        <a:bodyPr/>
-        <a:lstStyle/>
-        <a:p>
-          <a:endParaRPr lang="en-US"/>
-        </a:p>
-      </dgm:t>
-    </dgm:pt>
-    <dgm:pt modelId="{2F282724-0EE7-44CD-92C0-98445A0AF814}">
-      <dgm:prSet/>
-      <dgm:spPr/>
-      <dgm:t>
-        <a:bodyPr/>
-        <a:lstStyle/>
-        <a:p>
-          <a:r>
-            <a:rPr lang="en-GB" dirty="0"/>
-            <a:t>Mean Average Precision (MAP)</a:t>
-          </a:r>
-          <a:endParaRPr lang="en-US" dirty="0"/>
-        </a:p>
-      </dgm:t>
-    </dgm:pt>
-    <dgm:pt modelId="{C3004A43-137F-43A1-8990-92723A88AFAF}" type="parTrans" cxnId="{7B30381B-ECD6-4542-B161-1F09C5181406}">
-      <dgm:prSet/>
-      <dgm:spPr/>
-      <dgm:t>
-        <a:bodyPr/>
-        <a:lstStyle/>
-        <a:p>
-          <a:endParaRPr lang="en-US"/>
-        </a:p>
-      </dgm:t>
-    </dgm:pt>
-    <dgm:pt modelId="{2E2CF62C-F3D8-49E9-BFA6-9257E5625580}" type="sibTrans" cxnId="{7B30381B-ECD6-4542-B161-1F09C5181406}">
       <dgm:prSet/>
       <dgm:spPr/>
       <dgm:t>
@@ -6330,10 +6266,18 @@
         <a:lstStyle/>
         <a:p>
           <a:r>
-            <a:rPr lang="en-GB"/>
-            <a:t>Boolean and phrase queries using biword or positional indexes</a:t>
+            <a:rPr lang="en-GB" dirty="0"/>
+            <a:t>Boolean and phrase queries using </a:t>
           </a:r>
-          <a:endParaRPr lang="en-US"/>
+          <a:r>
+            <a:rPr lang="en-GB" dirty="0" err="1"/>
+            <a:t>biword</a:t>
+          </a:r>
+          <a:r>
+            <a:rPr lang="en-GB" dirty="0"/>
+            <a:t> or positional indexes</a:t>
+          </a:r>
+          <a:endParaRPr lang="en-US" dirty="0"/>
         </a:p>
       </dgm:t>
     </dgm:pt>
@@ -6396,7 +6340,7 @@
         </a:p>
       </dgm:t>
     </dgm:pt>
-    <dgm:pt modelId="{EEB89180-B1D0-5243-8ECB-AF3AA2AAEE9D}" type="pres">
+    <dgm:pt modelId="{350D1846-F961-DB45-B248-52D4C8B7C582}" type="pres">
       <dgm:prSet presAssocID="{82F84DBC-78A2-4255-B2FB-A15EB9331AA5}" presName="Name0" presStyleCnt="0">
         <dgm:presLayoutVars>
           <dgm:dir/>
@@ -6405,7 +6349,7 @@
       </dgm:prSet>
       <dgm:spPr/>
     </dgm:pt>
-    <dgm:pt modelId="{C59E2EE8-F6BA-C946-811C-19BFCEA07337}" type="pres">
+    <dgm:pt modelId="{1F455C28-B62C-D247-881B-A727BB820CF9}" type="pres">
       <dgm:prSet presAssocID="{C253AEAD-B77B-463B-80EE-9601B2B77D23}" presName="node" presStyleLbl="node1" presStyleIdx="0" presStyleCnt="5">
         <dgm:presLayoutVars>
           <dgm:bulletEnabled val="1"/>
@@ -6413,15 +6357,15 @@
       </dgm:prSet>
       <dgm:spPr/>
     </dgm:pt>
-    <dgm:pt modelId="{5A4A0E06-FF5C-EF42-B391-5CD4493B6EA1}" type="pres">
+    <dgm:pt modelId="{2684EC64-954B-F64C-93A6-AC8C7E6F8401}" type="pres">
       <dgm:prSet presAssocID="{B73741F4-F901-4F6C-8646-CCB05EA6F608}" presName="sibTrans" presStyleLbl="sibTrans1D1" presStyleIdx="0" presStyleCnt="4"/>
       <dgm:spPr/>
     </dgm:pt>
-    <dgm:pt modelId="{9DB471A8-8613-6345-BBAB-3DE708B1A8D6}" type="pres">
+    <dgm:pt modelId="{B2520115-0BF6-994E-A3A4-DBC5C9386550}" type="pres">
       <dgm:prSet presAssocID="{B73741F4-F901-4F6C-8646-CCB05EA6F608}" presName="connectorText" presStyleLbl="sibTrans1D1" presStyleIdx="0" presStyleCnt="4"/>
       <dgm:spPr/>
     </dgm:pt>
-    <dgm:pt modelId="{0F903D0F-0BFA-8F45-AFEF-56EF8B83E4A0}" type="pres">
+    <dgm:pt modelId="{FC3AB340-B682-E047-A205-DCA240E4F476}" type="pres">
       <dgm:prSet presAssocID="{669B8A80-E5CB-4B06-9BA6-66590F120C74}" presName="node" presStyleLbl="node1" presStyleIdx="1" presStyleCnt="5">
         <dgm:presLayoutVars>
           <dgm:bulletEnabled val="1"/>
@@ -6429,15 +6373,15 @@
       </dgm:prSet>
       <dgm:spPr/>
     </dgm:pt>
-    <dgm:pt modelId="{103A807D-2DB5-774D-AC43-21FE314ABC0A}" type="pres">
+    <dgm:pt modelId="{75DD8602-74AE-1B48-993E-9E3182C9C382}" type="pres">
       <dgm:prSet presAssocID="{C4BD9403-EE2B-4FBF-8FD1-32069F70F9E1}" presName="sibTrans" presStyleLbl="sibTrans1D1" presStyleIdx="1" presStyleCnt="4"/>
       <dgm:spPr/>
     </dgm:pt>
-    <dgm:pt modelId="{FE20C203-60A7-7C44-9920-7234A2E1D657}" type="pres">
+    <dgm:pt modelId="{8C780F39-5D52-2347-8853-C8B793938CF2}" type="pres">
       <dgm:prSet presAssocID="{C4BD9403-EE2B-4FBF-8FD1-32069F70F9E1}" presName="connectorText" presStyleLbl="sibTrans1D1" presStyleIdx="1" presStyleCnt="4"/>
       <dgm:spPr/>
     </dgm:pt>
-    <dgm:pt modelId="{20FA5992-1D2E-D74B-A3D2-CF496DC923EF}" type="pres">
+    <dgm:pt modelId="{5F052771-0D5E-5F48-8507-6E0FDEC074C1}" type="pres">
       <dgm:prSet presAssocID="{3EEC127E-1355-40BF-ADF8-6E271ED870BC}" presName="node" presStyleLbl="node1" presStyleIdx="2" presStyleCnt="5">
         <dgm:presLayoutVars>
           <dgm:bulletEnabled val="1"/>
@@ -6445,15 +6389,15 @@
       </dgm:prSet>
       <dgm:spPr/>
     </dgm:pt>
-    <dgm:pt modelId="{D5ECEF6D-0E6D-984D-A14C-21FFEB45B1A0}" type="pres">
+    <dgm:pt modelId="{7E10BE7F-9F1E-DF46-B38A-6C60498D1EEC}" type="pres">
       <dgm:prSet presAssocID="{F2C625C1-31AD-4938-8BB6-825A71868A6B}" presName="sibTrans" presStyleLbl="sibTrans1D1" presStyleIdx="2" presStyleCnt="4"/>
       <dgm:spPr/>
     </dgm:pt>
-    <dgm:pt modelId="{DBE95093-8546-7B46-8B3D-0444948DABF6}" type="pres">
+    <dgm:pt modelId="{4CD0C014-48E7-8D4D-95CA-4D7B9C87EE97}" type="pres">
       <dgm:prSet presAssocID="{F2C625C1-31AD-4938-8BB6-825A71868A6B}" presName="connectorText" presStyleLbl="sibTrans1D1" presStyleIdx="2" presStyleCnt="4"/>
       <dgm:spPr/>
     </dgm:pt>
-    <dgm:pt modelId="{4CDB1C2B-0616-2841-90D7-D97D7645E968}" type="pres">
+    <dgm:pt modelId="{A09DA9EA-59E5-0846-85EB-0742F48938F9}" type="pres">
       <dgm:prSet presAssocID="{AA9F4673-F594-4FF8-9CB0-72FE2344AA26}" presName="node" presStyleLbl="node1" presStyleIdx="3" presStyleCnt="5">
         <dgm:presLayoutVars>
           <dgm:bulletEnabled val="1"/>
@@ -6461,15 +6405,15 @@
       </dgm:prSet>
       <dgm:spPr/>
     </dgm:pt>
-    <dgm:pt modelId="{8E775CEF-264D-8A41-9458-BC6CD7BAF6F8}" type="pres">
+    <dgm:pt modelId="{9510E561-F59B-5042-9A7B-290045BF21FE}" type="pres">
       <dgm:prSet presAssocID="{15A04919-38E8-4475-BA68-D888EAF01826}" presName="sibTrans" presStyleLbl="sibTrans1D1" presStyleIdx="3" presStyleCnt="4"/>
       <dgm:spPr/>
     </dgm:pt>
-    <dgm:pt modelId="{8833438D-E612-4847-86F2-B33A1F178AAB}" type="pres">
+    <dgm:pt modelId="{F68308AA-8F2F-D047-A4E4-A9ECEF4CAD56}" type="pres">
       <dgm:prSet presAssocID="{15A04919-38E8-4475-BA68-D888EAF01826}" presName="connectorText" presStyleLbl="sibTrans1D1" presStyleIdx="3" presStyleCnt="4"/>
       <dgm:spPr/>
     </dgm:pt>
-    <dgm:pt modelId="{FA85F4EE-02EB-3247-8B17-3550C60B3595}" type="pres">
+    <dgm:pt modelId="{B38D9122-1993-E148-B310-5563427EBA8D}" type="pres">
       <dgm:prSet presAssocID="{072CB652-2451-4C20-B121-2BC3CADBAA05}" presName="node" presStyleLbl="node1" presStyleIdx="4" presStyleCnt="5">
         <dgm:presLayoutVars>
           <dgm:bulletEnabled val="1"/>
@@ -6479,48 +6423,46 @@
     </dgm:pt>
   </dgm:ptLst>
   <dgm:cxnLst>
-    <dgm:cxn modelId="{E7E74802-BFC2-6C42-9B7D-99CDB16ADDEF}" type="presOf" srcId="{669B8A80-E5CB-4B06-9BA6-66590F120C74}" destId="{0F903D0F-0BFA-8F45-AFEF-56EF8B83E4A0}" srcOrd="0" destOrd="0" presId="urn:microsoft.com/office/officeart/2016/7/layout/RepeatingBendingProcessNew"/>
-    <dgm:cxn modelId="{000CE105-781E-5B49-B143-1A5FE30A1A33}" type="presOf" srcId="{B73741F4-F901-4F6C-8646-CCB05EA6F608}" destId="{5A4A0E06-FF5C-EF42-B391-5CD4493B6EA1}" srcOrd="0" destOrd="0" presId="urn:microsoft.com/office/officeart/2016/7/layout/RepeatingBendingProcessNew"/>
-    <dgm:cxn modelId="{D3C5A107-F498-1A4A-9717-B240E253D2FF}" type="presOf" srcId="{C376601E-603B-4016-8A63-A1C8C9B7A8B8}" destId="{4CDB1C2B-0616-2841-90D7-D97D7645E968}" srcOrd="0" destOrd="1" presId="urn:microsoft.com/office/officeart/2016/7/layout/RepeatingBendingProcessNew"/>
-    <dgm:cxn modelId="{BB19440B-DCB9-8244-82ED-67B70544D8A2}" type="presOf" srcId="{82F84DBC-78A2-4255-B2FB-A15EB9331AA5}" destId="{EEB89180-B1D0-5243-8ECB-AF3AA2AAEE9D}" srcOrd="0" destOrd="0" presId="urn:microsoft.com/office/officeart/2016/7/layout/RepeatingBendingProcessNew"/>
-    <dgm:cxn modelId="{CD32130C-6F26-E843-A75B-5DB3593CF951}" type="presOf" srcId="{2F282724-0EE7-44CD-92C0-98445A0AF814}" destId="{4CDB1C2B-0616-2841-90D7-D97D7645E968}" srcOrd="0" destOrd="3" presId="urn:microsoft.com/office/officeart/2016/7/layout/RepeatingBendingProcessNew"/>
-    <dgm:cxn modelId="{5387B911-D990-ED4F-B661-2AC3CC5ED228}" type="presOf" srcId="{AA9F4673-F594-4FF8-9CB0-72FE2344AA26}" destId="{4CDB1C2B-0616-2841-90D7-D97D7645E968}" srcOrd="0" destOrd="0" presId="urn:microsoft.com/office/officeart/2016/7/layout/RepeatingBendingProcessNew"/>
+    <dgm:cxn modelId="{46976810-AFE6-4E48-B22B-91EC70E35759}" type="presOf" srcId="{204425AB-1309-4BDC-8CC3-85DE0414289C}" destId="{A09DA9EA-59E5-0846-85EB-0742F48938F9}" srcOrd="0" destOrd="2" presId="urn:microsoft.com/office/officeart/2016/7/layout/RepeatingBendingProcessNew"/>
     <dgm:cxn modelId="{C2637916-B206-44EF-95FB-7F741646DBBF}" srcId="{82F84DBC-78A2-4255-B2FB-A15EB9331AA5}" destId="{072CB652-2451-4C20-B121-2BC3CADBAA05}" srcOrd="4" destOrd="0" parTransId="{573669BC-323F-4E55-B21C-19B8C7C8631C}" sibTransId="{DE62FC85-93A5-40D1-AB16-5CC169017837}"/>
-    <dgm:cxn modelId="{7B30381B-ECD6-4542-B161-1F09C5181406}" srcId="{AA9F4673-F594-4FF8-9CB0-72FE2344AA26}" destId="{2F282724-0EE7-44CD-92C0-98445A0AF814}" srcOrd="2" destOrd="0" parTransId="{C3004A43-137F-43A1-8990-92723A88AFAF}" sibTransId="{2E2CF62C-F3D8-49E9-BFA6-9257E5625580}"/>
-    <dgm:cxn modelId="{3E62DD1F-14DC-7345-B76F-1E5B4C7B60CF}" type="presOf" srcId="{C253AEAD-B77B-463B-80EE-9601B2B77D23}" destId="{C59E2EE8-F6BA-C946-811C-19BFCEA07337}" srcOrd="0" destOrd="0" presId="urn:microsoft.com/office/officeart/2016/7/layout/RepeatingBendingProcessNew"/>
-    <dgm:cxn modelId="{D443FE30-CFF4-9042-80BB-CDD1C08C14A5}" type="presOf" srcId="{C4BD9403-EE2B-4FBF-8FD1-32069F70F9E1}" destId="{103A807D-2DB5-774D-AC43-21FE314ABC0A}" srcOrd="0" destOrd="0" presId="urn:microsoft.com/office/officeart/2016/7/layout/RepeatingBendingProcessNew"/>
-    <dgm:cxn modelId="{60C9DA37-A116-A64C-8D68-2488ACBB0DD2}" type="presOf" srcId="{3EEC127E-1355-40BF-ADF8-6E271ED870BC}" destId="{20FA5992-1D2E-D74B-A3D2-CF496DC923EF}" srcOrd="0" destOrd="0" presId="urn:microsoft.com/office/officeart/2016/7/layout/RepeatingBendingProcessNew"/>
-    <dgm:cxn modelId="{F375273C-A9EA-044B-B362-5E24558FE2D6}" type="presOf" srcId="{B73741F4-F901-4F6C-8646-CCB05EA6F608}" destId="{9DB471A8-8613-6345-BBAB-3DE708B1A8D6}" srcOrd="1" destOrd="0" presId="urn:microsoft.com/office/officeart/2016/7/layout/RepeatingBendingProcessNew"/>
-    <dgm:cxn modelId="{0BF5753C-F643-F04F-BA48-013D106F20FE}" type="presOf" srcId="{F2C625C1-31AD-4938-8BB6-825A71868A6B}" destId="{DBE95093-8546-7B46-8B3D-0444948DABF6}" srcOrd="1" destOrd="0" presId="urn:microsoft.com/office/officeart/2016/7/layout/RepeatingBendingProcessNew"/>
-    <dgm:cxn modelId="{9DC93C3E-78F4-9A49-951E-388163CAC3C0}" type="presOf" srcId="{F2C625C1-31AD-4938-8BB6-825A71868A6B}" destId="{D5ECEF6D-0E6D-984D-A14C-21FFEB45B1A0}" srcOrd="0" destOrd="0" presId="urn:microsoft.com/office/officeart/2016/7/layout/RepeatingBendingProcessNew"/>
-    <dgm:cxn modelId="{8F50D648-0F73-1844-9BBB-63AE3C86F2EF}" type="presOf" srcId="{63245D0F-9F6E-4AC5-919C-C4ED1C0D1F94}" destId="{FA85F4EE-02EB-3247-8B17-3550C60B3595}" srcOrd="0" destOrd="1" presId="urn:microsoft.com/office/officeart/2016/7/layout/RepeatingBendingProcessNew"/>
-    <dgm:cxn modelId="{0B996D51-3F3A-AF4F-86A2-11F8DE4177B0}" type="presOf" srcId="{072CB652-2451-4C20-B121-2BC3CADBAA05}" destId="{FA85F4EE-02EB-3247-8B17-3550C60B3595}" srcOrd="0" destOrd="0" presId="urn:microsoft.com/office/officeart/2016/7/layout/RepeatingBendingProcessNew"/>
-    <dgm:cxn modelId="{C6B7F97C-BA42-E148-A6AE-D097A136DFEB}" type="presOf" srcId="{204425AB-1309-4BDC-8CC3-85DE0414289C}" destId="{4CDB1C2B-0616-2841-90D7-D97D7645E968}" srcOrd="0" destOrd="2" presId="urn:microsoft.com/office/officeart/2016/7/layout/RepeatingBendingProcessNew"/>
+    <dgm:cxn modelId="{8A323B28-8F36-2E41-8E47-DC3D352A1E1D}" type="presOf" srcId="{B73741F4-F901-4F6C-8646-CCB05EA6F608}" destId="{B2520115-0BF6-994E-A3A4-DBC5C9386550}" srcOrd="1" destOrd="0" presId="urn:microsoft.com/office/officeart/2016/7/layout/RepeatingBendingProcessNew"/>
+    <dgm:cxn modelId="{7ED37554-4406-E742-8628-6893C59AB861}" type="presOf" srcId="{C4BD9403-EE2B-4FBF-8FD1-32069F70F9E1}" destId="{8C780F39-5D52-2347-8853-C8B793938CF2}" srcOrd="1" destOrd="0" presId="urn:microsoft.com/office/officeart/2016/7/layout/RepeatingBendingProcessNew"/>
+    <dgm:cxn modelId="{0CF03357-77CD-184B-8CE6-21699933FD8D}" type="presOf" srcId="{0419A925-6150-433B-AAED-D71E5D050CF3}" destId="{B38D9122-1993-E148-B310-5563427EBA8D}" srcOrd="0" destOrd="2" presId="urn:microsoft.com/office/officeart/2016/7/layout/RepeatingBendingProcessNew"/>
+    <dgm:cxn modelId="{21F7B16C-5C6D-8F41-BEDC-98EE2C7DB46F}" type="presOf" srcId="{AA9F4673-F594-4FF8-9CB0-72FE2344AA26}" destId="{A09DA9EA-59E5-0846-85EB-0742F48938F9}" srcOrd="0" destOrd="0" presId="urn:microsoft.com/office/officeart/2016/7/layout/RepeatingBendingProcessNew"/>
+    <dgm:cxn modelId="{5001D56C-4F2B-784F-9F1A-0BD4A46D1946}" type="presOf" srcId="{F2C625C1-31AD-4938-8BB6-825A71868A6B}" destId="{4CD0C014-48E7-8D4D-95CA-4D7B9C87EE97}" srcOrd="1" destOrd="0" presId="urn:microsoft.com/office/officeart/2016/7/layout/RepeatingBendingProcessNew"/>
+    <dgm:cxn modelId="{392C327D-4ED6-C942-B803-4F6C8B3AC2EC}" type="presOf" srcId="{669B8A80-E5CB-4B06-9BA6-66590F120C74}" destId="{FC3AB340-B682-E047-A205-DCA240E4F476}" srcOrd="0" destOrd="0" presId="urn:microsoft.com/office/officeart/2016/7/layout/RepeatingBendingProcessNew"/>
+    <dgm:cxn modelId="{17C9787D-6213-044D-8407-12E8461527BA}" type="presOf" srcId="{15A04919-38E8-4475-BA68-D888EAF01826}" destId="{9510E561-F59B-5042-9A7B-290045BF21FE}" srcOrd="0" destOrd="0" presId="urn:microsoft.com/office/officeart/2016/7/layout/RepeatingBendingProcessNew"/>
     <dgm:cxn modelId="{C785E681-8CB8-4930-A430-C076F388EBF4}" srcId="{82F84DBC-78A2-4255-B2FB-A15EB9331AA5}" destId="{C253AEAD-B77B-463B-80EE-9601B2B77D23}" srcOrd="0" destOrd="0" parTransId="{2B5CEE8B-ADE2-4643-8942-46C4A9F1C6DA}" sibTransId="{B73741F4-F901-4F6C-8646-CCB05EA6F608}"/>
+    <dgm:cxn modelId="{1DCFA084-5335-3B42-80EC-BACD42EAFBA4}" type="presOf" srcId="{82F84DBC-78A2-4255-B2FB-A15EB9331AA5}" destId="{350D1846-F961-DB45-B248-52D4C8B7C582}" srcOrd="0" destOrd="0" presId="urn:microsoft.com/office/officeart/2016/7/layout/RepeatingBendingProcessNew"/>
+    <dgm:cxn modelId="{0C15A484-C4A0-FF46-8705-12FACC7F7574}" type="presOf" srcId="{3EEC127E-1355-40BF-ADF8-6E271ED870BC}" destId="{5F052771-0D5E-5F48-8507-6E0FDEC074C1}" srcOrd="0" destOrd="0" presId="urn:microsoft.com/office/officeart/2016/7/layout/RepeatingBendingProcessNew"/>
     <dgm:cxn modelId="{48E48A85-F429-46D2-BEB1-AEEDAAA2C4DC}" srcId="{AA9F4673-F594-4FF8-9CB0-72FE2344AA26}" destId="{204425AB-1309-4BDC-8CC3-85DE0414289C}" srcOrd="1" destOrd="0" parTransId="{BBE30DF2-B401-4600-9E92-3EDBC9A4887F}" sibTransId="{D147EBE6-655E-4C60-8D75-04C84B4E3988}"/>
+    <dgm:cxn modelId="{1B719986-64C9-D646-9BC4-831CB7A97CB0}" type="presOf" srcId="{15A04919-38E8-4475-BA68-D888EAF01826}" destId="{F68308AA-8F2F-D047-A4E4-A9ECEF4CAD56}" srcOrd="1" destOrd="0" presId="urn:microsoft.com/office/officeart/2016/7/layout/RepeatingBendingProcessNew"/>
     <dgm:cxn modelId="{8F037787-5618-474E-A040-004B5FEF12B2}" srcId="{AA9F4673-F594-4FF8-9CB0-72FE2344AA26}" destId="{C376601E-603B-4016-8A63-A1C8C9B7A8B8}" srcOrd="0" destOrd="0" parTransId="{361F250A-1B10-499F-8718-FCD94619C130}" sibTransId="{B7FEC1CD-5913-43C2-9A8A-A459EEE138C2}"/>
     <dgm:cxn modelId="{86F4548A-8389-40B4-8B44-C5C3EC64386A}" srcId="{072CB652-2451-4C20-B121-2BC3CADBAA05}" destId="{63245D0F-9F6E-4AC5-919C-C4ED1C0D1F94}" srcOrd="0" destOrd="0" parTransId="{9D5FF11C-A79A-41EB-BE7E-FB6154F16F7F}" sibTransId="{B943E31E-2DF1-4DDD-974D-1A977895BBE0}"/>
+    <dgm:cxn modelId="{BCA4D98A-132F-EF4E-A13B-3C1B9969A107}" type="presOf" srcId="{C4BD9403-EE2B-4FBF-8FD1-32069F70F9E1}" destId="{75DD8602-74AE-1B48-993E-9E3182C9C382}" srcOrd="0" destOrd="0" presId="urn:microsoft.com/office/officeart/2016/7/layout/RepeatingBendingProcessNew"/>
     <dgm:cxn modelId="{ECA22392-80E3-42A2-978A-67E638960217}" srcId="{82F84DBC-78A2-4255-B2FB-A15EB9331AA5}" destId="{669B8A80-E5CB-4B06-9BA6-66590F120C74}" srcOrd="1" destOrd="0" parTransId="{B8F5F087-E4B9-4C3C-BDAC-34DE7D98CC1C}" sibTransId="{C4BD9403-EE2B-4FBF-8FD1-32069F70F9E1}"/>
     <dgm:cxn modelId="{CD027F99-B4D6-4AB5-8B4A-E3F90D9D8D80}" srcId="{82F84DBC-78A2-4255-B2FB-A15EB9331AA5}" destId="{AA9F4673-F594-4FF8-9CB0-72FE2344AA26}" srcOrd="3" destOrd="0" parTransId="{055522A6-BA75-47B6-A077-90C2F8AB2490}" sibTransId="{15A04919-38E8-4475-BA68-D888EAF01826}"/>
-    <dgm:cxn modelId="{483520B4-989D-894F-BE0F-2706CB839040}" type="presOf" srcId="{15A04919-38E8-4475-BA68-D888EAF01826}" destId="{8E775CEF-264D-8A41-9458-BC6CD7BAF6F8}" srcOrd="0" destOrd="0" presId="urn:microsoft.com/office/officeart/2016/7/layout/RepeatingBendingProcessNew"/>
-    <dgm:cxn modelId="{101DFDB6-59F2-5745-82B7-8378BF1465FB}" type="presOf" srcId="{C4BD9403-EE2B-4FBF-8FD1-32069F70F9E1}" destId="{FE20C203-60A7-7C44-9920-7234A2E1D657}" srcOrd="1" destOrd="0" presId="urn:microsoft.com/office/officeart/2016/7/layout/RepeatingBendingProcessNew"/>
+    <dgm:cxn modelId="{2219E19F-5A2E-A248-96AF-A6A19F832367}" type="presOf" srcId="{63245D0F-9F6E-4AC5-919C-C4ED1C0D1F94}" destId="{B38D9122-1993-E148-B310-5563427EBA8D}" srcOrd="0" destOrd="1" presId="urn:microsoft.com/office/officeart/2016/7/layout/RepeatingBendingProcessNew"/>
+    <dgm:cxn modelId="{69B71FA3-C28B-4B4A-8D61-547FED843A64}" type="presOf" srcId="{B73741F4-F901-4F6C-8646-CCB05EA6F608}" destId="{2684EC64-954B-F64C-93A6-AC8C7E6F8401}" srcOrd="0" destOrd="0" presId="urn:microsoft.com/office/officeart/2016/7/layout/RepeatingBendingProcessNew"/>
+    <dgm:cxn modelId="{95347CA6-F1CB-5043-AA3A-9D4F83A45DCB}" type="presOf" srcId="{C253AEAD-B77B-463B-80EE-9601B2B77D23}" destId="{1F455C28-B62C-D247-881B-A727BB820CF9}" srcOrd="0" destOrd="0" presId="urn:microsoft.com/office/officeart/2016/7/layout/RepeatingBendingProcessNew"/>
+    <dgm:cxn modelId="{559ACABB-87B8-8640-AD64-5861F979D04C}" type="presOf" srcId="{072CB652-2451-4C20-B121-2BC3CADBAA05}" destId="{B38D9122-1993-E148-B310-5563427EBA8D}" srcOrd="0" destOrd="0" presId="urn:microsoft.com/office/officeart/2016/7/layout/RepeatingBendingProcessNew"/>
     <dgm:cxn modelId="{7C7EA0D6-D8A3-4B95-9256-9FFEA66B4020}" srcId="{072CB652-2451-4C20-B121-2BC3CADBAA05}" destId="{0419A925-6150-433B-AAED-D71E5D050CF3}" srcOrd="1" destOrd="0" parTransId="{23615526-0DAE-4C70-BDD4-0166149CE2E8}" sibTransId="{24547231-BA37-4C72-8A73-C423A7B8883F}"/>
-    <dgm:cxn modelId="{EC348BDB-5720-2346-8C69-C09D863CB90C}" type="presOf" srcId="{15A04919-38E8-4475-BA68-D888EAF01826}" destId="{8833438D-E612-4847-86F2-B33A1F178AAB}" srcOrd="1" destOrd="0" presId="urn:microsoft.com/office/officeart/2016/7/layout/RepeatingBendingProcessNew"/>
     <dgm:cxn modelId="{60130BE2-73DE-41D7-8189-350CE88AFA9F}" srcId="{82F84DBC-78A2-4255-B2FB-A15EB9331AA5}" destId="{3EEC127E-1355-40BF-ADF8-6E271ED870BC}" srcOrd="2" destOrd="0" parTransId="{A75E45E9-9154-4228-9010-06DCB723909D}" sibTransId="{F2C625C1-31AD-4938-8BB6-825A71868A6B}"/>
-    <dgm:cxn modelId="{12531BEC-969E-614C-B0C1-706B797810B6}" type="presOf" srcId="{0419A925-6150-433B-AAED-D71E5D050CF3}" destId="{FA85F4EE-02EB-3247-8B17-3550C60B3595}" srcOrd="0" destOrd="2" presId="urn:microsoft.com/office/officeart/2016/7/layout/RepeatingBendingProcessNew"/>
-    <dgm:cxn modelId="{C87EFAA7-7F32-7B4D-A87D-FF5E45EB2291}" type="presParOf" srcId="{EEB89180-B1D0-5243-8ECB-AF3AA2AAEE9D}" destId="{C59E2EE8-F6BA-C946-811C-19BFCEA07337}" srcOrd="0" destOrd="0" presId="urn:microsoft.com/office/officeart/2016/7/layout/RepeatingBendingProcessNew"/>
-    <dgm:cxn modelId="{D141C291-EDE6-214D-BFD7-AEB0E4764F8A}" type="presParOf" srcId="{EEB89180-B1D0-5243-8ECB-AF3AA2AAEE9D}" destId="{5A4A0E06-FF5C-EF42-B391-5CD4493B6EA1}" srcOrd="1" destOrd="0" presId="urn:microsoft.com/office/officeart/2016/7/layout/RepeatingBendingProcessNew"/>
-    <dgm:cxn modelId="{157235ED-4E57-2941-B479-D9D2318E1609}" type="presParOf" srcId="{5A4A0E06-FF5C-EF42-B391-5CD4493B6EA1}" destId="{9DB471A8-8613-6345-BBAB-3DE708B1A8D6}" srcOrd="0" destOrd="0" presId="urn:microsoft.com/office/officeart/2016/7/layout/RepeatingBendingProcessNew"/>
-    <dgm:cxn modelId="{D7875345-3C64-A349-A647-CB3FB8D6F9F6}" type="presParOf" srcId="{EEB89180-B1D0-5243-8ECB-AF3AA2AAEE9D}" destId="{0F903D0F-0BFA-8F45-AFEF-56EF8B83E4A0}" srcOrd="2" destOrd="0" presId="urn:microsoft.com/office/officeart/2016/7/layout/RepeatingBendingProcessNew"/>
-    <dgm:cxn modelId="{93C26BCC-5D5B-0B45-AD47-7DD5674B1540}" type="presParOf" srcId="{EEB89180-B1D0-5243-8ECB-AF3AA2AAEE9D}" destId="{103A807D-2DB5-774D-AC43-21FE314ABC0A}" srcOrd="3" destOrd="0" presId="urn:microsoft.com/office/officeart/2016/7/layout/RepeatingBendingProcessNew"/>
-    <dgm:cxn modelId="{CFCFA2B1-6193-4841-824F-B5DD442D221C}" type="presParOf" srcId="{103A807D-2DB5-774D-AC43-21FE314ABC0A}" destId="{FE20C203-60A7-7C44-9920-7234A2E1D657}" srcOrd="0" destOrd="0" presId="urn:microsoft.com/office/officeart/2016/7/layout/RepeatingBendingProcessNew"/>
-    <dgm:cxn modelId="{F0D51DED-DFCD-5040-9266-B0B9E2CA4674}" type="presParOf" srcId="{EEB89180-B1D0-5243-8ECB-AF3AA2AAEE9D}" destId="{20FA5992-1D2E-D74B-A3D2-CF496DC923EF}" srcOrd="4" destOrd="0" presId="urn:microsoft.com/office/officeart/2016/7/layout/RepeatingBendingProcessNew"/>
-    <dgm:cxn modelId="{14D33A06-11E6-9945-AB8F-59A3F109769F}" type="presParOf" srcId="{EEB89180-B1D0-5243-8ECB-AF3AA2AAEE9D}" destId="{D5ECEF6D-0E6D-984D-A14C-21FFEB45B1A0}" srcOrd="5" destOrd="0" presId="urn:microsoft.com/office/officeart/2016/7/layout/RepeatingBendingProcessNew"/>
-    <dgm:cxn modelId="{41D9AC57-E58F-7A41-B29D-38BF947E47FB}" type="presParOf" srcId="{D5ECEF6D-0E6D-984D-A14C-21FFEB45B1A0}" destId="{DBE95093-8546-7B46-8B3D-0444948DABF6}" srcOrd="0" destOrd="0" presId="urn:microsoft.com/office/officeart/2016/7/layout/RepeatingBendingProcessNew"/>
-    <dgm:cxn modelId="{1FF28167-ED41-F546-A31B-52A537643640}" type="presParOf" srcId="{EEB89180-B1D0-5243-8ECB-AF3AA2AAEE9D}" destId="{4CDB1C2B-0616-2841-90D7-D97D7645E968}" srcOrd="6" destOrd="0" presId="urn:microsoft.com/office/officeart/2016/7/layout/RepeatingBendingProcessNew"/>
-    <dgm:cxn modelId="{88B5CFBF-0E01-0D49-BB29-696F76A645B9}" type="presParOf" srcId="{EEB89180-B1D0-5243-8ECB-AF3AA2AAEE9D}" destId="{8E775CEF-264D-8A41-9458-BC6CD7BAF6F8}" srcOrd="7" destOrd="0" presId="urn:microsoft.com/office/officeart/2016/7/layout/RepeatingBendingProcessNew"/>
-    <dgm:cxn modelId="{82B08ABF-40E8-F34C-9741-602CB4B7C93A}" type="presParOf" srcId="{8E775CEF-264D-8A41-9458-BC6CD7BAF6F8}" destId="{8833438D-E612-4847-86F2-B33A1F178AAB}" srcOrd="0" destOrd="0" presId="urn:microsoft.com/office/officeart/2016/7/layout/RepeatingBendingProcessNew"/>
-    <dgm:cxn modelId="{EEE6638E-5037-0E41-8FCF-0F5ADA4FEC4A}" type="presParOf" srcId="{EEB89180-B1D0-5243-8ECB-AF3AA2AAEE9D}" destId="{FA85F4EE-02EB-3247-8B17-3550C60B3595}" srcOrd="8" destOrd="0" presId="urn:microsoft.com/office/officeart/2016/7/layout/RepeatingBendingProcessNew"/>
+    <dgm:cxn modelId="{1A53C2EA-BF68-7146-8C19-05C324C320DB}" type="presOf" srcId="{C376601E-603B-4016-8A63-A1C8C9B7A8B8}" destId="{A09DA9EA-59E5-0846-85EB-0742F48938F9}" srcOrd="0" destOrd="1" presId="urn:microsoft.com/office/officeart/2016/7/layout/RepeatingBendingProcessNew"/>
+    <dgm:cxn modelId="{62B230F7-0847-2A44-981F-77031773860A}" type="presOf" srcId="{F2C625C1-31AD-4938-8BB6-825A71868A6B}" destId="{7E10BE7F-9F1E-DF46-B38A-6C60498D1EEC}" srcOrd="0" destOrd="0" presId="urn:microsoft.com/office/officeart/2016/7/layout/RepeatingBendingProcessNew"/>
+    <dgm:cxn modelId="{C76A4823-6D7F-784F-85E4-05F24741DB7F}" type="presParOf" srcId="{350D1846-F961-DB45-B248-52D4C8B7C582}" destId="{1F455C28-B62C-D247-881B-A727BB820CF9}" srcOrd="0" destOrd="0" presId="urn:microsoft.com/office/officeart/2016/7/layout/RepeatingBendingProcessNew"/>
+    <dgm:cxn modelId="{D0B501C3-E504-CC4B-AE31-09868412E050}" type="presParOf" srcId="{350D1846-F961-DB45-B248-52D4C8B7C582}" destId="{2684EC64-954B-F64C-93A6-AC8C7E6F8401}" srcOrd="1" destOrd="0" presId="urn:microsoft.com/office/officeart/2016/7/layout/RepeatingBendingProcessNew"/>
+    <dgm:cxn modelId="{2EFC4034-0AD1-9A46-A09E-B09B1518C917}" type="presParOf" srcId="{2684EC64-954B-F64C-93A6-AC8C7E6F8401}" destId="{B2520115-0BF6-994E-A3A4-DBC5C9386550}" srcOrd="0" destOrd="0" presId="urn:microsoft.com/office/officeart/2016/7/layout/RepeatingBendingProcessNew"/>
+    <dgm:cxn modelId="{3F235711-E0F4-6B46-84FB-F6A492891EB8}" type="presParOf" srcId="{350D1846-F961-DB45-B248-52D4C8B7C582}" destId="{FC3AB340-B682-E047-A205-DCA240E4F476}" srcOrd="2" destOrd="0" presId="urn:microsoft.com/office/officeart/2016/7/layout/RepeatingBendingProcessNew"/>
+    <dgm:cxn modelId="{EC441386-622F-0E4C-A9FD-70326C7F6642}" type="presParOf" srcId="{350D1846-F961-DB45-B248-52D4C8B7C582}" destId="{75DD8602-74AE-1B48-993E-9E3182C9C382}" srcOrd="3" destOrd="0" presId="urn:microsoft.com/office/officeart/2016/7/layout/RepeatingBendingProcessNew"/>
+    <dgm:cxn modelId="{ABED26FB-FD6C-7D41-B35F-4656A88FB946}" type="presParOf" srcId="{75DD8602-74AE-1B48-993E-9E3182C9C382}" destId="{8C780F39-5D52-2347-8853-C8B793938CF2}" srcOrd="0" destOrd="0" presId="urn:microsoft.com/office/officeart/2016/7/layout/RepeatingBendingProcessNew"/>
+    <dgm:cxn modelId="{5A00B50F-AF6F-8B44-B430-AF7E3A38B795}" type="presParOf" srcId="{350D1846-F961-DB45-B248-52D4C8B7C582}" destId="{5F052771-0D5E-5F48-8507-6E0FDEC074C1}" srcOrd="4" destOrd="0" presId="urn:microsoft.com/office/officeart/2016/7/layout/RepeatingBendingProcessNew"/>
+    <dgm:cxn modelId="{729A51AE-AC57-D349-991F-5DC72E9D1D60}" type="presParOf" srcId="{350D1846-F961-DB45-B248-52D4C8B7C582}" destId="{7E10BE7F-9F1E-DF46-B38A-6C60498D1EEC}" srcOrd="5" destOrd="0" presId="urn:microsoft.com/office/officeart/2016/7/layout/RepeatingBendingProcessNew"/>
+    <dgm:cxn modelId="{02142937-F144-BA41-B64F-5969A27CA7F7}" type="presParOf" srcId="{7E10BE7F-9F1E-DF46-B38A-6C60498D1EEC}" destId="{4CD0C014-48E7-8D4D-95CA-4D7B9C87EE97}" srcOrd="0" destOrd="0" presId="urn:microsoft.com/office/officeart/2016/7/layout/RepeatingBendingProcessNew"/>
+    <dgm:cxn modelId="{E0B87B3D-6E9D-C64C-B529-28667455493D}" type="presParOf" srcId="{350D1846-F961-DB45-B248-52D4C8B7C582}" destId="{A09DA9EA-59E5-0846-85EB-0742F48938F9}" srcOrd="6" destOrd="0" presId="urn:microsoft.com/office/officeart/2016/7/layout/RepeatingBendingProcessNew"/>
+    <dgm:cxn modelId="{D58E758F-84C8-3C4B-A795-02F53A5A4AF4}" type="presParOf" srcId="{350D1846-F961-DB45-B248-52D4C8B7C582}" destId="{9510E561-F59B-5042-9A7B-290045BF21FE}" srcOrd="7" destOrd="0" presId="urn:microsoft.com/office/officeart/2016/7/layout/RepeatingBendingProcessNew"/>
+    <dgm:cxn modelId="{4897071B-1BAD-1D4A-B512-9E20888AC007}" type="presParOf" srcId="{9510E561-F59B-5042-9A7B-290045BF21FE}" destId="{F68308AA-8F2F-D047-A4E4-A9ECEF4CAD56}" srcOrd="0" destOrd="0" presId="urn:microsoft.com/office/officeart/2016/7/layout/RepeatingBendingProcessNew"/>
+    <dgm:cxn modelId="{BECE61BF-E48F-4F41-B691-91798B2F0F81}" type="presParOf" srcId="{350D1846-F961-DB45-B248-52D4C8B7C582}" destId="{B38D9122-1993-E148-B310-5563427EBA8D}" srcOrd="8" destOrd="0" presId="urn:microsoft.com/office/officeart/2016/7/layout/RepeatingBendingProcessNew"/>
   </dgm:cxnLst>
   <dgm:bg/>
   <dgm:whole/>
@@ -9634,15 +9576,15 @@
       <dsp:cNvGrpSpPr/>
     </dsp:nvGrpSpPr>
     <dsp:grpSpPr/>
-    <dsp:sp modelId="{5A4A0E06-FF5C-EF42-B391-5CD4493B6EA1}">
+    <dsp:sp modelId="{2684EC64-954B-F64C-93A6-AC8C7E6F8401}">
       <dsp:nvSpPr>
         <dsp:cNvPr id="0" name=""/>
         <dsp:cNvSpPr/>
       </dsp:nvSpPr>
       <dsp:spPr>
         <a:xfrm>
-          <a:off x="2319112" y="796895"/>
-          <a:ext cx="502959" cy="91440"/>
+          <a:off x="2280144" y="1185451"/>
+          <a:ext cx="492856" cy="91440"/>
         </a:xfrm>
         <a:custGeom>
           <a:avLst/>
@@ -9656,7 +9598,7 @@
                 <a:pt x="0" y="45720"/>
               </a:moveTo>
               <a:lnTo>
-                <a:pt x="502959" y="45720"/>
+                <a:pt x="492856" y="45720"/>
               </a:lnTo>
             </a:path>
           </a:pathLst>
@@ -9710,19 +9652,19 @@
         </a:p>
       </dsp:txBody>
       <dsp:txXfrm>
-        <a:off x="2557253" y="839947"/>
-        <a:ext cx="26677" cy="5335"/>
+        <a:off x="2513486" y="1228553"/>
+        <a:ext cx="26172" cy="5234"/>
       </dsp:txXfrm>
     </dsp:sp>
-    <dsp:sp modelId="{C59E2EE8-F6BA-C946-811C-19BFCEA07337}">
+    <dsp:sp modelId="{1F455C28-B62C-D247-881B-A727BB820CF9}">
       <dsp:nvSpPr>
         <dsp:cNvPr id="0" name=""/>
         <dsp:cNvSpPr/>
       </dsp:nvSpPr>
       <dsp:spPr>
         <a:xfrm>
-          <a:off x="1086" y="146667"/>
-          <a:ext cx="2319825" cy="1391895"/>
+          <a:off x="6045" y="548401"/>
+          <a:ext cx="2275898" cy="1365538"/>
         </a:xfrm>
         <a:prstGeom prst="rect">
           <a:avLst/>
@@ -9763,7 +9705,7 @@
         </a:fontRef>
       </dsp:style>
       <dsp:txBody>
-        <a:bodyPr spcFirstLastPara="0" vert="horz" wrap="square" lIns="113673" tIns="119320" rIns="113673" bIns="119320" numCol="1" spcCol="1270" anchor="ctr" anchorCtr="0">
+        <a:bodyPr spcFirstLastPara="0" vert="horz" wrap="square" lIns="111521" tIns="117061" rIns="111521" bIns="117061" numCol="1" spcCol="1270" anchor="ctr" anchorCtr="0">
           <a:noAutofit/>
         </a:bodyPr>
         <a:lstStyle/>
@@ -9796,19 +9738,19 @@
         </a:p>
       </dsp:txBody>
       <dsp:txXfrm>
-        <a:off x="1086" y="146667"/>
-        <a:ext cx="2319825" cy="1391895"/>
+        <a:off x="6045" y="548401"/>
+        <a:ext cx="2275898" cy="1365538"/>
       </dsp:txXfrm>
     </dsp:sp>
-    <dsp:sp modelId="{103A807D-2DB5-774D-AC43-21FE314ABC0A}">
+    <dsp:sp modelId="{75DD8602-74AE-1B48-993E-9E3182C9C382}">
       <dsp:nvSpPr>
         <dsp:cNvPr id="0" name=""/>
         <dsp:cNvSpPr/>
       </dsp:nvSpPr>
       <dsp:spPr>
         <a:xfrm>
-          <a:off x="1160999" y="1536763"/>
-          <a:ext cx="2853385" cy="502959"/>
+          <a:off x="5079499" y="1185451"/>
+          <a:ext cx="492856" cy="91440"/>
         </a:xfrm>
         <a:custGeom>
           <a:avLst/>
@@ -9819,16 +9761,10 @@
           <a:pathLst>
             <a:path>
               <a:moveTo>
-                <a:pt x="2853385" y="0"/>
+                <a:pt x="0" y="45720"/>
               </a:moveTo>
               <a:lnTo>
-                <a:pt x="2853385" y="268579"/>
-              </a:lnTo>
-              <a:lnTo>
-                <a:pt x="0" y="268579"/>
-              </a:lnTo>
-              <a:lnTo>
-                <a:pt x="0" y="502959"/>
+                <a:pt x="492856" y="45720"/>
               </a:lnTo>
             </a:path>
           </a:pathLst>
@@ -9837,9 +9773,9 @@
         <a:ln w="9525" cap="flat" cmpd="sng" algn="ctr">
           <a:solidFill>
             <a:schemeClr val="accent2">
-              <a:hueOff val="1560506"/>
-              <a:satOff val="-1946"/>
-              <a:lumOff val="458"/>
+              <a:hueOff val="0"/>
+              <a:satOff val="0"/>
+              <a:lumOff val="0"/>
               <a:alphaOff val="0"/>
             </a:schemeClr>
           </a:solidFill>
@@ -9882,28 +9818,28 @@
         </a:p>
       </dsp:txBody>
       <dsp:txXfrm>
-        <a:off x="2515120" y="1785575"/>
-        <a:ext cx="145142" cy="5335"/>
+        <a:off x="5312841" y="1228553"/>
+        <a:ext cx="26172" cy="5234"/>
       </dsp:txXfrm>
     </dsp:sp>
-    <dsp:sp modelId="{0F903D0F-0BFA-8F45-AFEF-56EF8B83E4A0}">
+    <dsp:sp modelId="{FC3AB340-B682-E047-A205-DCA240E4F476}">
       <dsp:nvSpPr>
         <dsp:cNvPr id="0" name=""/>
         <dsp:cNvSpPr/>
       </dsp:nvSpPr>
       <dsp:spPr>
         <a:xfrm>
-          <a:off x="2854471" y="146667"/>
-          <a:ext cx="2319825" cy="1391895"/>
+          <a:off x="2805400" y="548401"/>
+          <a:ext cx="2275898" cy="1365538"/>
         </a:xfrm>
         <a:prstGeom prst="rect">
           <a:avLst/>
         </a:prstGeom>
         <a:solidFill>
           <a:schemeClr val="accent2">
-            <a:hueOff val="1170380"/>
-            <a:satOff val="-1460"/>
-            <a:lumOff val="343"/>
+            <a:hueOff val="0"/>
+            <a:satOff val="0"/>
+            <a:lumOff val="0"/>
             <a:alphaOff val="0"/>
           </a:schemeClr>
         </a:solidFill>
@@ -9935,7 +9871,7 @@
         </a:fontRef>
       </dsp:style>
       <dsp:txBody>
-        <a:bodyPr spcFirstLastPara="0" vert="horz" wrap="square" lIns="113673" tIns="119320" rIns="113673" bIns="119320" numCol="1" spcCol="1270" anchor="ctr" anchorCtr="0">
+        <a:bodyPr spcFirstLastPara="0" vert="horz" wrap="square" lIns="111521" tIns="117061" rIns="111521" bIns="117061" numCol="1" spcCol="1270" anchor="ctr" anchorCtr="0">
           <a:noAutofit/>
         </a:bodyPr>
         <a:lstStyle/>
@@ -9960,19 +9896,19 @@
         </a:p>
       </dsp:txBody>
       <dsp:txXfrm>
-        <a:off x="2854471" y="146667"/>
-        <a:ext cx="2319825" cy="1391895"/>
+        <a:off x="2805400" y="548401"/>
+        <a:ext cx="2275898" cy="1365538"/>
       </dsp:txXfrm>
     </dsp:sp>
-    <dsp:sp modelId="{D5ECEF6D-0E6D-984D-A14C-21FFEB45B1A0}">
+    <dsp:sp modelId="{7E10BE7F-9F1E-DF46-B38A-6C60498D1EEC}">
       <dsp:nvSpPr>
         <dsp:cNvPr id="0" name=""/>
         <dsp:cNvSpPr/>
       </dsp:nvSpPr>
       <dsp:spPr>
         <a:xfrm>
-          <a:off x="2319112" y="2722350"/>
-          <a:ext cx="502959" cy="91440"/>
+          <a:off x="1143995" y="1912140"/>
+          <a:ext cx="5598709" cy="492856"/>
         </a:xfrm>
         <a:custGeom>
           <a:avLst/>
@@ -9983,10 +9919,16 @@
           <a:pathLst>
             <a:path>
               <a:moveTo>
-                <a:pt x="0" y="45720"/>
+                <a:pt x="5598709" y="0"/>
               </a:moveTo>
               <a:lnTo>
-                <a:pt x="502959" y="45720"/>
+                <a:pt x="5598709" y="263528"/>
+              </a:lnTo>
+              <a:lnTo>
+                <a:pt x="0" y="263528"/>
+              </a:lnTo>
+              <a:lnTo>
+                <a:pt x="0" y="492856"/>
               </a:lnTo>
             </a:path>
           </a:pathLst>
@@ -9995,9 +9937,9 @@
         <a:ln w="9525" cap="flat" cmpd="sng" algn="ctr">
           <a:solidFill>
             <a:schemeClr val="accent2">
-              <a:hueOff val="3121013"/>
-              <a:satOff val="-3893"/>
-              <a:lumOff val="915"/>
+              <a:hueOff val="0"/>
+              <a:satOff val="0"/>
+              <a:lumOff val="0"/>
               <a:alphaOff val="0"/>
             </a:schemeClr>
           </a:solidFill>
@@ -10040,28 +9982,28 @@
         </a:p>
       </dsp:txBody>
       <dsp:txXfrm>
-        <a:off x="2557253" y="2765402"/>
-        <a:ext cx="26677" cy="5335"/>
+        <a:off x="3802771" y="2155951"/>
+        <a:ext cx="281156" cy="5234"/>
       </dsp:txXfrm>
     </dsp:sp>
-    <dsp:sp modelId="{20FA5992-1D2E-D74B-A3D2-CF496DC923EF}">
+    <dsp:sp modelId="{5F052771-0D5E-5F48-8507-6E0FDEC074C1}">
       <dsp:nvSpPr>
         <dsp:cNvPr id="0" name=""/>
         <dsp:cNvSpPr/>
       </dsp:nvSpPr>
       <dsp:spPr>
         <a:xfrm>
-          <a:off x="1086" y="2072122"/>
-          <a:ext cx="2319825" cy="1391895"/>
+          <a:off x="5604755" y="548401"/>
+          <a:ext cx="2275898" cy="1365538"/>
         </a:xfrm>
         <a:prstGeom prst="rect">
           <a:avLst/>
         </a:prstGeom>
         <a:solidFill>
           <a:schemeClr val="accent2">
-            <a:hueOff val="2340759"/>
-            <a:satOff val="-2919"/>
-            <a:lumOff val="686"/>
+            <a:hueOff val="0"/>
+            <a:satOff val="0"/>
+            <a:lumOff val="0"/>
             <a:alphaOff val="0"/>
           </a:schemeClr>
         </a:solidFill>
@@ -10093,7 +10035,7 @@
         </a:fontRef>
       </dsp:style>
       <dsp:txBody>
-        <a:bodyPr spcFirstLastPara="0" vert="horz" wrap="square" lIns="113673" tIns="119320" rIns="113673" bIns="119320" numCol="1" spcCol="1270" anchor="ctr" anchorCtr="0">
+        <a:bodyPr spcFirstLastPara="0" vert="horz" wrap="square" lIns="111521" tIns="117061" rIns="111521" bIns="117061" numCol="1" spcCol="1270" anchor="ctr" anchorCtr="0">
           <a:noAutofit/>
         </a:bodyPr>
         <a:lstStyle/>
@@ -10118,19 +10060,19 @@
         </a:p>
       </dsp:txBody>
       <dsp:txXfrm>
-        <a:off x="1086" y="2072122"/>
-        <a:ext cx="2319825" cy="1391895"/>
+        <a:off x="5604755" y="548401"/>
+        <a:ext cx="2275898" cy="1365538"/>
       </dsp:txXfrm>
     </dsp:sp>
-    <dsp:sp modelId="{8E775CEF-264D-8A41-9458-BC6CD7BAF6F8}">
+    <dsp:sp modelId="{9510E561-F59B-5042-9A7B-290045BF21FE}">
       <dsp:nvSpPr>
         <dsp:cNvPr id="0" name=""/>
         <dsp:cNvSpPr/>
       </dsp:nvSpPr>
       <dsp:spPr>
         <a:xfrm>
-          <a:off x="1160999" y="3462218"/>
-          <a:ext cx="2853385" cy="502959"/>
+          <a:off x="2280144" y="3074446"/>
+          <a:ext cx="492856" cy="91440"/>
         </a:xfrm>
         <a:custGeom>
           <a:avLst/>
@@ -10141,16 +10083,10 @@
           <a:pathLst>
             <a:path>
               <a:moveTo>
-                <a:pt x="2853385" y="0"/>
+                <a:pt x="0" y="45720"/>
               </a:moveTo>
               <a:lnTo>
-                <a:pt x="2853385" y="268579"/>
-              </a:lnTo>
-              <a:lnTo>
-                <a:pt x="0" y="268579"/>
-              </a:lnTo>
-              <a:lnTo>
-                <a:pt x="0" y="502959"/>
+                <a:pt x="492856" y="45720"/>
               </a:lnTo>
             </a:path>
           </a:pathLst>
@@ -10159,9 +10095,9 @@
         <a:ln w="9525" cap="flat" cmpd="sng" algn="ctr">
           <a:solidFill>
             <a:schemeClr val="accent2">
-              <a:hueOff val="4681519"/>
-              <a:satOff val="-5839"/>
-              <a:lumOff val="1373"/>
+              <a:hueOff val="0"/>
+              <a:satOff val="0"/>
+              <a:lumOff val="0"/>
               <a:alphaOff val="0"/>
             </a:schemeClr>
           </a:solidFill>
@@ -10204,28 +10140,28 @@
         </a:p>
       </dsp:txBody>
       <dsp:txXfrm>
-        <a:off x="2515120" y="3711030"/>
-        <a:ext cx="145142" cy="5335"/>
+        <a:off x="2513486" y="3117549"/>
+        <a:ext cx="26172" cy="5234"/>
       </dsp:txXfrm>
     </dsp:sp>
-    <dsp:sp modelId="{4CDB1C2B-0616-2841-90D7-D97D7645E968}">
+    <dsp:sp modelId="{A09DA9EA-59E5-0846-85EB-0742F48938F9}">
       <dsp:nvSpPr>
         <dsp:cNvPr id="0" name=""/>
         <dsp:cNvSpPr/>
       </dsp:nvSpPr>
       <dsp:spPr>
         <a:xfrm>
-          <a:off x="2854471" y="2072122"/>
-          <a:ext cx="2319825" cy="1391895"/>
+          <a:off x="6045" y="2437397"/>
+          <a:ext cx="2275898" cy="1365538"/>
         </a:xfrm>
         <a:prstGeom prst="rect">
           <a:avLst/>
         </a:prstGeom>
         <a:solidFill>
           <a:schemeClr val="accent2">
-            <a:hueOff val="3511139"/>
-            <a:satOff val="-4379"/>
-            <a:lumOff val="1030"/>
+            <a:hueOff val="0"/>
+            <a:satOff val="0"/>
+            <a:lumOff val="0"/>
             <a:alphaOff val="0"/>
           </a:schemeClr>
         </a:solidFill>
@@ -10257,7 +10193,7 @@
         </a:fontRef>
       </dsp:style>
       <dsp:txBody>
-        <a:bodyPr spcFirstLastPara="0" vert="horz" wrap="square" lIns="113673" tIns="119320" rIns="113673" bIns="119320" numCol="1" spcCol="1270" anchor="t" anchorCtr="0">
+        <a:bodyPr spcFirstLastPara="0" vert="horz" wrap="square" lIns="111521" tIns="117061" rIns="111521" bIns="117061" numCol="1" spcCol="1270" anchor="t" anchorCtr="0">
           <a:noAutofit/>
         </a:bodyPr>
         <a:lstStyle/>
@@ -10290,27 +10226,8 @@
             <a:buChar char="•"/>
           </a:pPr>
           <a:r>
-            <a:rPr lang="en-GB" sz="1100" kern="1200"/>
-            <a:t>Selecting better expansion documents </a:t>
-          </a:r>
-          <a:endParaRPr lang="en-US" sz="1100" kern="1200"/>
-        </a:p>
-        <a:p>
-          <a:pPr marL="57150" lvl="1" indent="-57150" algn="l" defTabSz="488950">
-            <a:lnSpc>
-              <a:spcPct val="90000"/>
-            </a:lnSpc>
-            <a:spcBef>
-              <a:spcPct val="0"/>
-            </a:spcBef>
-            <a:spcAft>
-              <a:spcPct val="15000"/>
-            </a:spcAft>
-            <a:buChar char="•"/>
-          </a:pPr>
-          <a:r>
             <a:rPr lang="en-GB" sz="1100" kern="1200" dirty="0"/>
-            <a:t>Integrate more robust evaluation metrics:</a:t>
+            <a:t>Selecting better relevance documents </a:t>
           </a:r>
           <a:endParaRPr lang="en-US" sz="1100" kern="1200" dirty="0"/>
         </a:p>
@@ -10329,34 +10246,42 @@
           </a:pPr>
           <a:r>
             <a:rPr lang="en-GB" sz="1100" kern="1200" dirty="0"/>
-            <a:t>Mean Average Precision (MAP)</a:t>
+            <a:t>Integrate more robust evaluation metrics: </a:t>
+          </a:r>
+          <a:r>
+            <a:rPr lang="en-GB" sz="1100" kern="1200" dirty="0" err="1"/>
+            <a:t>eg</a:t>
+          </a:r>
+          <a:r>
+            <a:rPr lang="en-GB" sz="1100" kern="1200" dirty="0"/>
+            <a:t>: Mean Average Precision (MAP)</a:t>
           </a:r>
           <a:endParaRPr lang="en-US" sz="1100" kern="1200" dirty="0"/>
         </a:p>
       </dsp:txBody>
       <dsp:txXfrm>
-        <a:off x="2854471" y="2072122"/>
-        <a:ext cx="2319825" cy="1391895"/>
+        <a:off x="6045" y="2437397"/>
+        <a:ext cx="2275898" cy="1365538"/>
       </dsp:txXfrm>
     </dsp:sp>
-    <dsp:sp modelId="{FA85F4EE-02EB-3247-8B17-3550C60B3595}">
+    <dsp:sp modelId="{B38D9122-1993-E148-B310-5563427EBA8D}">
       <dsp:nvSpPr>
         <dsp:cNvPr id="0" name=""/>
         <dsp:cNvSpPr/>
       </dsp:nvSpPr>
       <dsp:spPr>
         <a:xfrm>
-          <a:off x="1086" y="3997577"/>
-          <a:ext cx="2319825" cy="1391895"/>
+          <a:off x="2805400" y="2437397"/>
+          <a:ext cx="2275898" cy="1365538"/>
         </a:xfrm>
         <a:prstGeom prst="rect">
           <a:avLst/>
         </a:prstGeom>
         <a:solidFill>
           <a:schemeClr val="accent2">
-            <a:hueOff val="4681519"/>
-            <a:satOff val="-5839"/>
-            <a:lumOff val="1373"/>
+            <a:hueOff val="0"/>
+            <a:satOff val="0"/>
+            <a:lumOff val="0"/>
             <a:alphaOff val="0"/>
           </a:schemeClr>
         </a:solidFill>
@@ -10388,7 +10313,7 @@
         </a:fontRef>
       </dsp:style>
       <dsp:txBody>
-        <a:bodyPr spcFirstLastPara="0" vert="horz" wrap="square" lIns="113673" tIns="119320" rIns="113673" bIns="119320" numCol="1" spcCol="1270" anchor="t" anchorCtr="0">
+        <a:bodyPr spcFirstLastPara="0" vert="horz" wrap="square" lIns="111521" tIns="117061" rIns="111521" bIns="117061" numCol="1" spcCol="1270" anchor="t" anchorCtr="0">
           <a:noAutofit/>
         </a:bodyPr>
         <a:lstStyle/>
@@ -10429,10 +10354,18 @@
             <a:buChar char="•"/>
           </a:pPr>
           <a:r>
-            <a:rPr lang="en-GB" sz="1100" kern="1200"/>
-            <a:t>Boolean and phrase queries using biword or positional indexes</a:t>
+            <a:rPr lang="en-GB" sz="1100" kern="1200" dirty="0"/>
+            <a:t>Boolean and phrase queries using </a:t>
           </a:r>
-          <a:endParaRPr lang="en-US" sz="1100" kern="1200"/>
+          <a:r>
+            <a:rPr lang="en-GB" sz="1100" kern="1200" dirty="0" err="1"/>
+            <a:t>biword</a:t>
+          </a:r>
+          <a:r>
+            <a:rPr lang="en-GB" sz="1100" kern="1200" dirty="0"/>
+            <a:t> or positional indexes</a:t>
+          </a:r>
+          <a:endParaRPr lang="en-US" sz="1100" kern="1200" dirty="0"/>
         </a:p>
         <a:p>
           <a:pPr marL="57150" lvl="1" indent="-57150" algn="l" defTabSz="488950">
@@ -10455,8 +10388,8 @@
         </a:p>
       </dsp:txBody>
       <dsp:txXfrm>
-        <a:off x="1086" y="3997577"/>
-        <a:ext cx="2319825" cy="1391895"/>
+        <a:off x="2805400" y="2437397"/>
+        <a:ext cx="2275898" cy="1365538"/>
       </dsp:txXfrm>
     </dsp:sp>
   </dsp:spTree>
@@ -23607,10 +23540,10 @@
       </p:grpSpPr>
       <p:sp useBgFill="1">
         <p:nvSpPr>
-          <p:cNvPr id="9" name="Rectangle 8">
+          <p:cNvPr id="16" name="Rectangle 15">
             <a:extLst>
               <a:ext uri="{FF2B5EF4-FFF2-40B4-BE49-F238E27FC236}">
-                <a16:creationId xmlns:a16="http://schemas.microsoft.com/office/drawing/2014/main" id="{2E442304-DDBD-4F7B-8017-36BCC863FB40}"/>
+                <a16:creationId xmlns:a16="http://schemas.microsoft.com/office/drawing/2014/main" id="{6C4028FD-8BAA-4A19-BFDE-594D991B7552}"/>
               </a:ext>
               <a:ext uri="{C183D7F6-B498-43B3-948B-1728B52AA6E4}">
                 <adec:decorative xmlns:adec="http://schemas.microsoft.com/office/drawing/2017/decorative" val="1"/>
@@ -23631,7 +23564,7 @@
         <p:spPr>
           <a:xfrm>
             <a:off x="0" y="0"/>
-            <a:ext cx="9141714" cy="6858000"/>
+            <a:ext cx="9141713" cy="6858000"/>
           </a:xfrm>
           <a:prstGeom prst="rect">
             <a:avLst/>
@@ -23683,393 +23616,20 @@
         </p:nvSpPr>
         <p:spPr>
           <a:xfrm>
-            <a:off x="476250" y="640823"/>
-            <a:ext cx="2563994" cy="5583148"/>
+            <a:off x="628650" y="556995"/>
+            <a:ext cx="7886700" cy="1133693"/>
           </a:xfrm>
         </p:spPr>
         <p:txBody>
-          <a:bodyPr anchor="ctr">
+          <a:bodyPr>
             <a:normAutofit/>
           </a:bodyPr>
           <a:lstStyle/>
           <a:p>
             <a:r>
-              <a:rPr lang="en-IT" sz="4000" dirty="0"/>
+              <a:rPr lang="en-IT" sz="4500" dirty="0"/>
               <a:t>Conclusion</a:t>
             </a:r>
-          </a:p>
-        </p:txBody>
-      </p:sp>
-      <p:sp>
-        <p:nvSpPr>
-          <p:cNvPr id="11" name="sketch line">
-            <a:extLst>
-              <a:ext uri="{FF2B5EF4-FFF2-40B4-BE49-F238E27FC236}">
-                <a16:creationId xmlns:a16="http://schemas.microsoft.com/office/drawing/2014/main" id="{5E107275-3853-46FD-A241-DE4355A42675}"/>
-              </a:ext>
-              <a:ext uri="{C183D7F6-B498-43B3-948B-1728B52AA6E4}">
-                <adec:decorative xmlns:adec="http://schemas.microsoft.com/office/drawing/2017/decorative" val="1"/>
-              </a:ext>
-            </a:extLst>
-          </p:cNvPr>
-          <p:cNvSpPr>
-            <a:spLocks noGrp="1" noRot="1" noChangeAspect="1" noMove="1" noResize="1" noEditPoints="1" noAdjustHandles="1" noChangeArrowheads="1" noChangeShapeType="1" noTextEdit="1"/>
-          </p:cNvSpPr>
-          <p:nvPr>
-            <p:extLst>
-              <p:ext uri="{386F3935-93C4-4BCD-93E2-E3B085C9AB24}">
-                <p16:designElem xmlns:p16="http://schemas.microsoft.com/office/powerpoint/2015/main" val="1"/>
-              </p:ext>
-            </p:extLst>
-          </p:nvPr>
-        </p:nvSpPr>
-        <p:spPr>
-          <a:xfrm rot="5400000">
-            <a:off x="544313" y="3465005"/>
-            <a:ext cx="5410200" cy="13716"/>
-          </a:xfrm>
-          <a:custGeom>
-            <a:avLst/>
-            <a:gdLst>
-              <a:gd name="connsiteX0" fmla="*/ 0 w 5410200"/>
-              <a:gd name="connsiteY0" fmla="*/ 0 h 13716"/>
-              <a:gd name="connsiteX1" fmla="*/ 568071 w 5410200"/>
-              <a:gd name="connsiteY1" fmla="*/ 0 h 13716"/>
-              <a:gd name="connsiteX2" fmla="*/ 1298448 w 5410200"/>
-              <a:gd name="connsiteY2" fmla="*/ 0 h 13716"/>
-              <a:gd name="connsiteX3" fmla="*/ 1920621 w 5410200"/>
-              <a:gd name="connsiteY3" fmla="*/ 0 h 13716"/>
-              <a:gd name="connsiteX4" fmla="*/ 2488692 w 5410200"/>
-              <a:gd name="connsiteY4" fmla="*/ 0 h 13716"/>
-              <a:gd name="connsiteX5" fmla="*/ 3219069 w 5410200"/>
-              <a:gd name="connsiteY5" fmla="*/ 0 h 13716"/>
-              <a:gd name="connsiteX6" fmla="*/ 3895344 w 5410200"/>
-              <a:gd name="connsiteY6" fmla="*/ 0 h 13716"/>
-              <a:gd name="connsiteX7" fmla="*/ 4571619 w 5410200"/>
-              <a:gd name="connsiteY7" fmla="*/ 0 h 13716"/>
-              <a:gd name="connsiteX8" fmla="*/ 5410200 w 5410200"/>
-              <a:gd name="connsiteY8" fmla="*/ 0 h 13716"/>
-              <a:gd name="connsiteX9" fmla="*/ 5410200 w 5410200"/>
-              <a:gd name="connsiteY9" fmla="*/ 13716 h 13716"/>
-              <a:gd name="connsiteX10" fmla="*/ 4842129 w 5410200"/>
-              <a:gd name="connsiteY10" fmla="*/ 13716 h 13716"/>
-              <a:gd name="connsiteX11" fmla="*/ 4328160 w 5410200"/>
-              <a:gd name="connsiteY11" fmla="*/ 13716 h 13716"/>
-              <a:gd name="connsiteX12" fmla="*/ 3597783 w 5410200"/>
-              <a:gd name="connsiteY12" fmla="*/ 13716 h 13716"/>
-              <a:gd name="connsiteX13" fmla="*/ 3029712 w 5410200"/>
-              <a:gd name="connsiteY13" fmla="*/ 13716 h 13716"/>
-              <a:gd name="connsiteX14" fmla="*/ 2299335 w 5410200"/>
-              <a:gd name="connsiteY14" fmla="*/ 13716 h 13716"/>
-              <a:gd name="connsiteX15" fmla="*/ 1514856 w 5410200"/>
-              <a:gd name="connsiteY15" fmla="*/ 13716 h 13716"/>
-              <a:gd name="connsiteX16" fmla="*/ 892683 w 5410200"/>
-              <a:gd name="connsiteY16" fmla="*/ 13716 h 13716"/>
-              <a:gd name="connsiteX17" fmla="*/ 0 w 5410200"/>
-              <a:gd name="connsiteY17" fmla="*/ 13716 h 13716"/>
-              <a:gd name="connsiteX18" fmla="*/ 0 w 5410200"/>
-              <a:gd name="connsiteY18" fmla="*/ 0 h 13716"/>
-            </a:gdLst>
-            <a:ahLst/>
-            <a:cxnLst>
-              <a:cxn ang="0">
-                <a:pos x="connsiteX0" y="connsiteY0"/>
-              </a:cxn>
-              <a:cxn ang="0">
-                <a:pos x="connsiteX1" y="connsiteY1"/>
-              </a:cxn>
-              <a:cxn ang="0">
-                <a:pos x="connsiteX2" y="connsiteY2"/>
-              </a:cxn>
-              <a:cxn ang="0">
-                <a:pos x="connsiteX3" y="connsiteY3"/>
-              </a:cxn>
-              <a:cxn ang="0">
-                <a:pos x="connsiteX4" y="connsiteY4"/>
-              </a:cxn>
-              <a:cxn ang="0">
-                <a:pos x="connsiteX5" y="connsiteY5"/>
-              </a:cxn>
-              <a:cxn ang="0">
-                <a:pos x="connsiteX6" y="connsiteY6"/>
-              </a:cxn>
-              <a:cxn ang="0">
-                <a:pos x="connsiteX7" y="connsiteY7"/>
-              </a:cxn>
-              <a:cxn ang="0">
-                <a:pos x="connsiteX8" y="connsiteY8"/>
-              </a:cxn>
-              <a:cxn ang="0">
-                <a:pos x="connsiteX9" y="connsiteY9"/>
-              </a:cxn>
-              <a:cxn ang="0">
-                <a:pos x="connsiteX10" y="connsiteY10"/>
-              </a:cxn>
-              <a:cxn ang="0">
-                <a:pos x="connsiteX11" y="connsiteY11"/>
-              </a:cxn>
-              <a:cxn ang="0">
-                <a:pos x="connsiteX12" y="connsiteY12"/>
-              </a:cxn>
-              <a:cxn ang="0">
-                <a:pos x="connsiteX13" y="connsiteY13"/>
-              </a:cxn>
-              <a:cxn ang="0">
-                <a:pos x="connsiteX14" y="connsiteY14"/>
-              </a:cxn>
-              <a:cxn ang="0">
-                <a:pos x="connsiteX15" y="connsiteY15"/>
-              </a:cxn>
-              <a:cxn ang="0">
-                <a:pos x="connsiteX16" y="connsiteY16"/>
-              </a:cxn>
-              <a:cxn ang="0">
-                <a:pos x="connsiteX17" y="connsiteY17"/>
-              </a:cxn>
-              <a:cxn ang="0">
-                <a:pos x="connsiteX18" y="connsiteY18"/>
-              </a:cxn>
-            </a:cxnLst>
-            <a:rect l="l" t="t" r="r" b="b"/>
-            <a:pathLst>
-              <a:path w="5410200" h="13716" fill="none" extrusionOk="0">
-                <a:moveTo>
-                  <a:pt x="0" y="0"/>
-                </a:moveTo>
-                <a:cubicBezTo>
-                  <a:pt x="163050" y="-18707"/>
-                  <a:pt x="319321" y="-16364"/>
-                  <a:pt x="568071" y="0"/>
-                </a:cubicBezTo>
-                <a:cubicBezTo>
-                  <a:pt x="816821" y="16364"/>
-                  <a:pt x="1013224" y="-7268"/>
-                  <a:pt x="1298448" y="0"/>
-                </a:cubicBezTo>
-                <a:cubicBezTo>
-                  <a:pt x="1583672" y="7268"/>
-                  <a:pt x="1631711" y="-3367"/>
-                  <a:pt x="1920621" y="0"/>
-                </a:cubicBezTo>
-                <a:cubicBezTo>
-                  <a:pt x="2209531" y="3367"/>
-                  <a:pt x="2364420" y="-19184"/>
-                  <a:pt x="2488692" y="0"/>
-                </a:cubicBezTo>
-                <a:cubicBezTo>
-                  <a:pt x="2612964" y="19184"/>
-                  <a:pt x="3023298" y="-34627"/>
-                  <a:pt x="3219069" y="0"/>
-                </a:cubicBezTo>
-                <a:cubicBezTo>
-                  <a:pt x="3414840" y="34627"/>
-                  <a:pt x="3656810" y="24043"/>
-                  <a:pt x="3895344" y="0"/>
-                </a:cubicBezTo>
-                <a:cubicBezTo>
-                  <a:pt x="4133879" y="-24043"/>
-                  <a:pt x="4393984" y="-19577"/>
-                  <a:pt x="4571619" y="0"/>
-                </a:cubicBezTo>
-                <a:cubicBezTo>
-                  <a:pt x="4749255" y="19577"/>
-                  <a:pt x="5179928" y="-6281"/>
-                  <a:pt x="5410200" y="0"/>
-                </a:cubicBezTo>
-                <a:cubicBezTo>
-                  <a:pt x="5409587" y="2854"/>
-                  <a:pt x="5409791" y="9451"/>
-                  <a:pt x="5410200" y="13716"/>
-                </a:cubicBezTo>
-                <a:cubicBezTo>
-                  <a:pt x="5139060" y="2179"/>
-                  <a:pt x="5121593" y="26463"/>
-                  <a:pt x="4842129" y="13716"/>
-                </a:cubicBezTo>
-                <a:cubicBezTo>
-                  <a:pt x="4562665" y="969"/>
-                  <a:pt x="4448273" y="4915"/>
-                  <a:pt x="4328160" y="13716"/>
-                </a:cubicBezTo>
-                <a:cubicBezTo>
-                  <a:pt x="4208047" y="22517"/>
-                  <a:pt x="3760936" y="17995"/>
-                  <a:pt x="3597783" y="13716"/>
-                </a:cubicBezTo>
-                <a:cubicBezTo>
-                  <a:pt x="3434630" y="9437"/>
-                  <a:pt x="3299718" y="28641"/>
-                  <a:pt x="3029712" y="13716"/>
-                </a:cubicBezTo>
-                <a:cubicBezTo>
-                  <a:pt x="2759706" y="-1209"/>
-                  <a:pt x="2640159" y="22822"/>
-                  <a:pt x="2299335" y="13716"/>
-                </a:cubicBezTo>
-                <a:cubicBezTo>
-                  <a:pt x="1958511" y="4610"/>
-                  <a:pt x="1801186" y="24413"/>
-                  <a:pt x="1514856" y="13716"/>
-                </a:cubicBezTo>
-                <a:cubicBezTo>
-                  <a:pt x="1228526" y="3019"/>
-                  <a:pt x="1063509" y="-9877"/>
-                  <a:pt x="892683" y="13716"/>
-                </a:cubicBezTo>
-                <a:cubicBezTo>
-                  <a:pt x="721857" y="37309"/>
-                  <a:pt x="186945" y="-25469"/>
-                  <a:pt x="0" y="13716"/>
-                </a:cubicBezTo>
-                <a:cubicBezTo>
-                  <a:pt x="-342" y="9537"/>
-                  <a:pt x="-97" y="6817"/>
-                  <a:pt x="0" y="0"/>
-                </a:cubicBezTo>
-                <a:close/>
-              </a:path>
-              <a:path w="5410200" h="13716" stroke="0" extrusionOk="0">
-                <a:moveTo>
-                  <a:pt x="0" y="0"/>
-                </a:moveTo>
-                <a:cubicBezTo>
-                  <a:pt x="285096" y="-4925"/>
-                  <a:pt x="376456" y="22268"/>
-                  <a:pt x="622173" y="0"/>
-                </a:cubicBezTo>
-                <a:cubicBezTo>
-                  <a:pt x="867890" y="-22268"/>
-                  <a:pt x="1031392" y="7228"/>
-                  <a:pt x="1136142" y="0"/>
-                </a:cubicBezTo>
-                <a:cubicBezTo>
-                  <a:pt x="1240892" y="-7228"/>
-                  <a:pt x="1561853" y="9877"/>
-                  <a:pt x="1920621" y="0"/>
-                </a:cubicBezTo>
-                <a:cubicBezTo>
-                  <a:pt x="2279389" y="-9877"/>
-                  <a:pt x="2367255" y="19546"/>
-                  <a:pt x="2542794" y="0"/>
-                </a:cubicBezTo>
-                <a:cubicBezTo>
-                  <a:pt x="2718333" y="-19546"/>
-                  <a:pt x="2866732" y="-22226"/>
-                  <a:pt x="3164967" y="0"/>
-                </a:cubicBezTo>
-                <a:cubicBezTo>
-                  <a:pt x="3463202" y="22226"/>
-                  <a:pt x="3568055" y="-2765"/>
-                  <a:pt x="3949446" y="0"/>
-                </a:cubicBezTo>
-                <a:cubicBezTo>
-                  <a:pt x="4330837" y="2765"/>
-                  <a:pt x="4287895" y="10557"/>
-                  <a:pt x="4517517" y="0"/>
-                </a:cubicBezTo>
-                <a:cubicBezTo>
-                  <a:pt x="4747139" y="-10557"/>
-                  <a:pt x="5149588" y="8716"/>
-                  <a:pt x="5410200" y="0"/>
-                </a:cubicBezTo>
-                <a:cubicBezTo>
-                  <a:pt x="5410660" y="2787"/>
-                  <a:pt x="5410166" y="9748"/>
-                  <a:pt x="5410200" y="13716"/>
-                </a:cubicBezTo>
-                <a:cubicBezTo>
-                  <a:pt x="5163327" y="36922"/>
-                  <a:pt x="5008749" y="6121"/>
-                  <a:pt x="4842129" y="13716"/>
-                </a:cubicBezTo>
-                <a:cubicBezTo>
-                  <a:pt x="4675509" y="21311"/>
-                  <a:pt x="4433401" y="-5187"/>
-                  <a:pt x="4165854" y="13716"/>
-                </a:cubicBezTo>
-                <a:cubicBezTo>
-                  <a:pt x="3898308" y="32619"/>
-                  <a:pt x="3809032" y="-13282"/>
-                  <a:pt x="3543681" y="13716"/>
-                </a:cubicBezTo>
-                <a:cubicBezTo>
-                  <a:pt x="3278330" y="40714"/>
-                  <a:pt x="3073876" y="-20489"/>
-                  <a:pt x="2759202" y="13716"/>
-                </a:cubicBezTo>
-                <a:cubicBezTo>
-                  <a:pt x="2444528" y="47921"/>
-                  <a:pt x="2204144" y="-1200"/>
-                  <a:pt x="1974723" y="13716"/>
-                </a:cubicBezTo>
-                <a:cubicBezTo>
-                  <a:pt x="1745302" y="28632"/>
-                  <a:pt x="1602335" y="26918"/>
-                  <a:pt x="1406652" y="13716"/>
-                </a:cubicBezTo>
-                <a:cubicBezTo>
-                  <a:pt x="1210969" y="514"/>
-                  <a:pt x="923948" y="-1411"/>
-                  <a:pt x="730377" y="13716"/>
-                </a:cubicBezTo>
-                <a:cubicBezTo>
-                  <a:pt x="536806" y="28843"/>
-                  <a:pt x="336496" y="-4713"/>
-                  <a:pt x="0" y="13716"/>
-                </a:cubicBezTo>
-                <a:cubicBezTo>
-                  <a:pt x="-535" y="9547"/>
-                  <a:pt x="488" y="4515"/>
-                  <a:pt x="0" y="0"/>
-                </a:cubicBezTo>
-                <a:close/>
-              </a:path>
-            </a:pathLst>
-          </a:custGeom>
-          <a:solidFill>
-            <a:schemeClr val="accent2"/>
-          </a:solidFill>
-          <a:ln w="41275" cap="rnd">
-            <a:solidFill>
-              <a:schemeClr val="accent2"/>
-            </a:solidFill>
-            <a:round/>
-            <a:extLst>
-              <a:ext uri="{C807C97D-BFC1-408E-A445-0C87EB9F89A2}">
-                <ask:lineSketchStyleProps xmlns:ask="http://schemas.microsoft.com/office/drawing/2018/sketchyshapes" sd="1219033472">
-                  <a:prstGeom prst="rect">
-                    <a:avLst/>
-                  </a:prstGeom>
-                  <ask:type>
-                    <ask:lineSketchFreehand/>
-                  </ask:type>
-                </ask:lineSketchStyleProps>
-              </a:ext>
-            </a:extLst>
-          </a:ln>
-        </p:spPr>
-        <p:style>
-          <a:lnRef idx="2">
-            <a:schemeClr val="accent1">
-              <a:shade val="50000"/>
-            </a:schemeClr>
-          </a:lnRef>
-          <a:fillRef idx="1">
-            <a:schemeClr val="accent1"/>
-          </a:fillRef>
-          <a:effectRef idx="0">
-            <a:schemeClr val="accent1"/>
-          </a:effectRef>
-          <a:fontRef idx="minor">
-            <a:schemeClr val="lt1"/>
-          </a:fontRef>
-        </p:style>
-        <p:txBody>
-          <a:bodyPr rtlCol="0" anchor="ctr"/>
-          <a:lstStyle/>
-          <a:p>
-            <a:pPr algn="ctr"/>
-            <a:endParaRPr lang="en-US"/>
           </a:p>
         </p:txBody>
       </p:sp>
@@ -24089,14 +23649,14 @@
             <p:ph idx="1"/>
             <p:extLst>
               <p:ext uri="{D42A27DB-BD31-4B8C-83A1-F6EECF244321}">
-                <p14:modId xmlns:p14="http://schemas.microsoft.com/office/powerpoint/2010/main" val="3580236185"/>
+                <p14:modId xmlns:p14="http://schemas.microsoft.com/office/powerpoint/2010/main" val="2143661808"/>
               </p:ext>
             </p:extLst>
           </p:nvPr>
         </p:nvGraphicFramePr>
         <p:xfrm>
-          <a:off x="3486013" y="640822"/>
-          <a:ext cx="5175384" cy="5536141"/>
+          <a:off x="628650" y="1825625"/>
+          <a:ext cx="7886700" cy="4351338"/>
         </p:xfrm>
         <a:graphic>
           <a:graphicData uri="http://schemas.openxmlformats.org/drawingml/2006/diagram">

--- a/Vector_Space_Model_Presentation.pptx
+++ b/Vector_Space_Model_Presentation.pptx
@@ -17550,7 +17550,7 @@
           <a:p>
             <a:fld id="{5BCAD085-E8A6-8845-BD4E-CB4CCA059FC4}" type="datetimeFigureOut">
               <a:rPr lang="en-US" smtClean="0"/>
-              <a:t>8/5/25</a:t>
+              <a:t>8/6/25</a:t>
             </a:fld>
             <a:endParaRPr lang="en-US"/>
           </a:p>
@@ -17718,7 +17718,7 @@
           <a:p>
             <a:fld id="{5BCAD085-E8A6-8845-BD4E-CB4CCA059FC4}" type="datetimeFigureOut">
               <a:rPr lang="en-US" smtClean="0"/>
-              <a:t>8/5/25</a:t>
+              <a:t>8/6/25</a:t>
             </a:fld>
             <a:endParaRPr lang="en-US"/>
           </a:p>
@@ -17896,7 +17896,7 @@
           <a:p>
             <a:fld id="{5BCAD085-E8A6-8845-BD4E-CB4CCA059FC4}" type="datetimeFigureOut">
               <a:rPr lang="en-US" smtClean="0"/>
-              <a:t>8/5/25</a:t>
+              <a:t>8/6/25</a:t>
             </a:fld>
             <a:endParaRPr lang="en-US"/>
           </a:p>
@@ -18064,7 +18064,7 @@
           <a:p>
             <a:fld id="{5BCAD085-E8A6-8845-BD4E-CB4CCA059FC4}" type="datetimeFigureOut">
               <a:rPr lang="en-US" smtClean="0"/>
-              <a:t>8/5/25</a:t>
+              <a:t>8/6/25</a:t>
             </a:fld>
             <a:endParaRPr lang="en-US"/>
           </a:p>
@@ -18309,7 +18309,7 @@
           <a:p>
             <a:fld id="{5BCAD085-E8A6-8845-BD4E-CB4CCA059FC4}" type="datetimeFigureOut">
               <a:rPr lang="en-US" smtClean="0"/>
-              <a:t>8/5/25</a:t>
+              <a:t>8/6/25</a:t>
             </a:fld>
             <a:endParaRPr lang="en-US"/>
           </a:p>
@@ -18594,7 +18594,7 @@
           <a:p>
             <a:fld id="{5BCAD085-E8A6-8845-BD4E-CB4CCA059FC4}" type="datetimeFigureOut">
               <a:rPr lang="en-US" smtClean="0"/>
-              <a:t>8/5/25</a:t>
+              <a:t>8/6/25</a:t>
             </a:fld>
             <a:endParaRPr lang="en-US"/>
           </a:p>
@@ -19013,7 +19013,7 @@
           <a:p>
             <a:fld id="{5BCAD085-E8A6-8845-BD4E-CB4CCA059FC4}" type="datetimeFigureOut">
               <a:rPr lang="en-US" smtClean="0"/>
-              <a:t>8/5/25</a:t>
+              <a:t>8/6/25</a:t>
             </a:fld>
             <a:endParaRPr lang="en-US"/>
           </a:p>
@@ -19130,7 +19130,7 @@
           <a:p>
             <a:fld id="{5BCAD085-E8A6-8845-BD4E-CB4CCA059FC4}" type="datetimeFigureOut">
               <a:rPr lang="en-US" smtClean="0"/>
-              <a:t>8/5/25</a:t>
+              <a:t>8/6/25</a:t>
             </a:fld>
             <a:endParaRPr lang="en-US"/>
           </a:p>
@@ -19225,7 +19225,7 @@
           <a:p>
             <a:fld id="{5BCAD085-E8A6-8845-BD4E-CB4CCA059FC4}" type="datetimeFigureOut">
               <a:rPr lang="en-US" smtClean="0"/>
-              <a:t>8/5/25</a:t>
+              <a:t>8/6/25</a:t>
             </a:fld>
             <a:endParaRPr lang="en-US"/>
           </a:p>
@@ -19500,7 +19500,7 @@
           <a:p>
             <a:fld id="{5BCAD085-E8A6-8845-BD4E-CB4CCA059FC4}" type="datetimeFigureOut">
               <a:rPr lang="en-US" smtClean="0"/>
-              <a:t>8/5/25</a:t>
+              <a:t>8/6/25</a:t>
             </a:fld>
             <a:endParaRPr lang="en-US"/>
           </a:p>
@@ -19752,7 +19752,7 @@
           <a:p>
             <a:fld id="{5BCAD085-E8A6-8845-BD4E-CB4CCA059FC4}" type="datetimeFigureOut">
               <a:rPr lang="en-US" smtClean="0"/>
-              <a:t>8/5/25</a:t>
+              <a:t>8/6/25</a:t>
             </a:fld>
             <a:endParaRPr lang="en-US"/>
           </a:p>
@@ -19963,7 +19963,7 @@
           <a:p>
             <a:fld id="{5BCAD085-E8A6-8845-BD4E-CB4CCA059FC4}" type="datetimeFigureOut">
               <a:rPr lang="en-US" smtClean="0"/>
-              <a:t>8/5/25</a:t>
+              <a:t>8/6/25</a:t>
             </a:fld>
             <a:endParaRPr lang="en-US"/>
           </a:p>
@@ -23335,7 +23335,7 @@
               <a:rPr lang="en-GB" sz="2800" b="1" dirty="0">
                 <a:latin typeface="+mj-lt"/>
               </a:rPr>
-              <a:t>Precision-Recall Curve (Query1-Query5) </a:t>
+              <a:t>Precision-Recall Curve (Query1) </a:t>
             </a:r>
           </a:p>
           <a:p>
@@ -23353,10 +23353,10 @@
       </p:sp>
       <p:pic>
         <p:nvPicPr>
-          <p:cNvPr id="15" name="Content Placeholder 14" descr="A graph with a line&#10;&#10;Description automatically generated">
+          <p:cNvPr id="5" name="Content Placeholder 4" descr="A graph with red and blue lines&#10;&#10;Description automatically generated">
             <a:extLst>
               <a:ext uri="{FF2B5EF4-FFF2-40B4-BE49-F238E27FC236}">
-                <a16:creationId xmlns:a16="http://schemas.microsoft.com/office/drawing/2014/main" id="{65467428-70DE-8B45-9811-D027AC13D261}"/>
+                <a16:creationId xmlns:a16="http://schemas.microsoft.com/office/drawing/2014/main" id="{2098A6BD-B3CA-224E-B7FC-48500F742E56}"/>
               </a:ext>
             </a:extLst>
           </p:cNvPr>
@@ -23375,39 +23375,9 @@
         </p:blipFill>
         <p:spPr>
           <a:xfrm>
-            <a:off x="4353886" y="1466717"/>
-            <a:ext cx="4702814" cy="4525963"/>
+            <a:off x="800364" y="1600200"/>
+            <a:ext cx="7543271" cy="4525963"/>
           </a:xfrm>
-        </p:spPr>
-      </p:pic>
-      <p:pic>
-        <p:nvPicPr>
-          <p:cNvPr id="17" name="Picture 16" descr="A graph of a bar graph&#10;&#10;Description automatically generated with medium confidence">
-            <a:extLst>
-              <a:ext uri="{FF2B5EF4-FFF2-40B4-BE49-F238E27FC236}">
-                <a16:creationId xmlns:a16="http://schemas.microsoft.com/office/drawing/2014/main" id="{5D7F3162-7AE2-8F4A-A56C-A6CBBFF53F72}"/>
-              </a:ext>
-            </a:extLst>
-          </p:cNvPr>
-          <p:cNvPicPr>
-            <a:picLocks noChangeAspect="1"/>
-          </p:cNvPicPr>
-          <p:nvPr/>
-        </p:nvPicPr>
-        <p:blipFill>
-          <a:blip r:embed="rId3"/>
-          <a:stretch>
-            <a:fillRect/>
-          </a:stretch>
-        </p:blipFill>
-        <p:spPr>
-          <a:xfrm>
-            <a:off x="167780" y="1457587"/>
-            <a:ext cx="4253218" cy="4431485"/>
-          </a:xfrm>
-          <a:prstGeom prst="rect">
-            <a:avLst/>
-          </a:prstGeom>
         </p:spPr>
       </p:pic>
     </p:spTree>
